--- a/评审PPT/SE2019春-G11_ZUCCLazyBone_项目计划/ZUCCLazyBone项目计划.pptx
+++ b/评审PPT/SE2019春-G11_ZUCCLazyBone_项目计划/ZUCCLazyBone项目计划.pptx
@@ -333,7 +333,7 @@
             <a:fld id="{717742FC-62BB-4B81-9CA5-3B750A4B4580}" type="datetimeFigureOut">
               <a:rPr lang="zh-CN" altLang="en-US" smtClean="0"/>
               <a:pPr/>
-              <a:t>2019/3/30</a:t>
+              <a:t>2019/4/14</a:t>
             </a:fld>
             <a:endParaRPr lang="zh-CN" altLang="en-US"/>
           </a:p>
@@ -508,7 +508,7 @@
               <a:pPr>
                 <a:defRPr/>
               </a:pPr>
-              <a:t>2019/3/30</a:t>
+              <a:t>2019/4/14</a:t>
             </a:fld>
             <a:endParaRPr lang="zh-CN" altLang="en-US"/>
           </a:p>
@@ -2604,7 +2604,7 @@
               <a:pPr>
                 <a:defRPr/>
               </a:pPr>
-              <a:t>2019/3/30</a:t>
+              <a:t>2019/4/14</a:t>
             </a:fld>
             <a:endParaRPr lang="zh-CN" altLang="en-US"/>
           </a:p>
@@ -2908,7 +2908,7 @@
               <a:pPr>
                 <a:defRPr/>
               </a:pPr>
-              <a:t>2019/3/30</a:t>
+              <a:t>2019/4/14</a:t>
             </a:fld>
             <a:endParaRPr lang="zh-CN" altLang="en-US"/>
           </a:p>
@@ -3178,7 +3178,7 @@
               <a:pPr>
                 <a:defRPr/>
               </a:pPr>
-              <a:t>2019/3/30</a:t>
+              <a:t>2019/4/14</a:t>
             </a:fld>
             <a:endParaRPr lang="zh-CN" altLang="en-US"/>
           </a:p>
@@ -3448,7 +3448,7 @@
               <a:pPr>
                 <a:defRPr/>
               </a:pPr>
-              <a:t>2019/3/30</a:t>
+              <a:t>2019/4/14</a:t>
             </a:fld>
             <a:endParaRPr lang="zh-CN" altLang="en-US"/>
           </a:p>
@@ -3718,7 +3718,7 @@
               <a:pPr>
                 <a:defRPr/>
               </a:pPr>
-              <a:t>2019/3/30</a:t>
+              <a:t>2019/4/14</a:t>
             </a:fld>
             <a:endParaRPr lang="zh-CN" altLang="en-US"/>
           </a:p>
@@ -3976,7 +3976,7 @@
             <a:fld id="{32BF82D2-7A68-459D-A996-9BDDA2518FA4}" type="datetimeFigureOut">
               <a:rPr lang="zh-CN" altLang="en-US" smtClean="0"/>
               <a:pPr/>
-              <a:t>2019/3/30</a:t>
+              <a:t>2019/4/14</a:t>
             </a:fld>
             <a:endParaRPr lang="zh-CN" altLang="en-US"/>
           </a:p>
@@ -4082,7 +4082,7 @@
               <a:pPr>
                 <a:defRPr/>
               </a:pPr>
-              <a:t>2019/3/30</a:t>
+              <a:t>2019/4/14</a:t>
             </a:fld>
             <a:endParaRPr lang="zh-CN" altLang="en-US"/>
           </a:p>
@@ -4306,7 +4306,7 @@
             <a:fld id="{43A93E93-166D-47F5-9EF1-ACEABE24AEEA}" type="datetimeFigureOut">
               <a:rPr lang="zh-CN" altLang="en-US" smtClean="0"/>
               <a:pPr/>
-              <a:t>2019/3/30</a:t>
+              <a:t>2019/4/14</a:t>
             </a:fld>
             <a:endParaRPr lang="zh-CN" altLang="en-US"/>
           </a:p>

--- a/评审PPT/SE2019春-G11_ZUCCLazyBone_项目计划/ZUCCLazyBone项目计划.pptx
+++ b/评审PPT/SE2019春-G11_ZUCCLazyBone_项目计划/ZUCCLazyBone项目计划.pptx
@@ -5,10 +5,10 @@
     <p:sldMasterId id="2147483940" r:id="rId1"/>
   </p:sldMasterIdLst>
   <p:notesMasterIdLst>
-    <p:notesMasterId r:id="rId38"/>
+    <p:notesMasterId r:id="rId41"/>
   </p:notesMasterIdLst>
   <p:handoutMasterIdLst>
-    <p:handoutMasterId r:id="rId39"/>
+    <p:handoutMasterId r:id="rId42"/>
   </p:handoutMasterIdLst>
   <p:sldIdLst>
     <p:sldId id="3340" r:id="rId2"/>
@@ -39,19 +39,22 @@
     <p:sldId id="3378" r:id="rId27"/>
     <p:sldId id="3388" r:id="rId28"/>
     <p:sldId id="3379" r:id="rId29"/>
-    <p:sldId id="3380" r:id="rId30"/>
-    <p:sldId id="3381" r:id="rId31"/>
-    <p:sldId id="3382" r:id="rId32"/>
-    <p:sldId id="3386" r:id="rId33"/>
-    <p:sldId id="3389" r:id="rId34"/>
-    <p:sldId id="3384" r:id="rId35"/>
-    <p:sldId id="3385" r:id="rId36"/>
-    <p:sldId id="3346" r:id="rId37"/>
+    <p:sldId id="3398" r:id="rId30"/>
+    <p:sldId id="3380" r:id="rId31"/>
+    <p:sldId id="3381" r:id="rId32"/>
+    <p:sldId id="3382" r:id="rId33"/>
+    <p:sldId id="3386" r:id="rId34"/>
+    <p:sldId id="3389" r:id="rId35"/>
+    <p:sldId id="3397" r:id="rId36"/>
+    <p:sldId id="3384" r:id="rId37"/>
+    <p:sldId id="3385" r:id="rId38"/>
+    <p:sldId id="3396" r:id="rId39"/>
+    <p:sldId id="3346" r:id="rId40"/>
   </p:sldIdLst>
   <p:sldSz cx="9145588" cy="5145088"/>
   <p:notesSz cx="6858000" cy="9144000"/>
   <p:custDataLst>
-    <p:tags r:id="rId40"/>
+    <p:tags r:id="rId43"/>
   </p:custDataLst>
   <p:defaultTextStyle>
     <a:defPPr>
@@ -1333,7 +1336,7 @@
             <a:fld id="{418F03C3-53C1-4F10-8DAF-D1F318E96C6E}" type="slidenum">
               <a:rPr lang="zh-CN" altLang="en-US" smtClean="0"/>
               <a:pPr/>
-              <a:t>29</a:t>
+              <a:t>30</a:t>
             </a:fld>
             <a:endParaRPr lang="zh-CN" altLang="en-US"/>
           </a:p>
@@ -1418,7 +1421,7 @@
             <a:fld id="{418F03C3-53C1-4F10-8DAF-D1F318E96C6E}" type="slidenum">
               <a:rPr lang="zh-CN" altLang="en-US" smtClean="0"/>
               <a:pPr/>
-              <a:t>32</a:t>
+              <a:t>33</a:t>
             </a:fld>
             <a:endParaRPr lang="zh-CN" altLang="en-US"/>
           </a:p>
@@ -1503,7 +1506,7 @@
             <a:fld id="{418F03C3-53C1-4F10-8DAF-D1F318E96C6E}" type="slidenum">
               <a:rPr lang="zh-CN" altLang="en-US" smtClean="0"/>
               <a:pPr/>
-              <a:t>34</a:t>
+              <a:t>36</a:t>
             </a:fld>
             <a:endParaRPr lang="zh-CN" altLang="en-US"/>
           </a:p>
@@ -1616,7 +1619,7 @@
             <a:fld id="{9295031C-36FB-4BFB-B547-5049AC3C4D20}" type="slidenum">
               <a:rPr lang="zh-CN" altLang="en-US"/>
               <a:pPr/>
-              <a:t>36</a:t>
+              <a:t>39</a:t>
             </a:fld>
             <a:endParaRPr lang="zh-CN" altLang="en-US"/>
           </a:p>
@@ -9740,6 +9743,13 @@
   <p:transition spd="med" advClick="0" advTm="0">
     <p:push dir="r"/>
   </p:transition>
+  <p:timing>
+    <p:tnLst>
+      <p:par>
+        <p:cTn id="1" dur="indefinite" restart="never" nodeType="tmRoot"/>
+      </p:par>
+    </p:tnLst>
+  </p:timing>
 </p:sld>
 </file>
 
@@ -17907,6 +17917,13 @@
   <p:transition spd="med" advClick="0" advTm="0">
     <p:push dir="r"/>
   </p:transition>
+  <p:timing>
+    <p:tnLst>
+      <p:par>
+        <p:cTn id="1" dur="indefinite" restart="never" nodeType="tmRoot"/>
+      </p:par>
+    </p:tnLst>
+  </p:timing>
 </p:sld>
 </file>
 
@@ -20469,13 +20486,7 @@
       </p:sp>
       <p:pic>
         <p:nvPicPr>
-          <p:cNvPr id="7" name="图片 6">
-            <a:extLst>
-              <a:ext uri="{FF2B5EF4-FFF2-40B4-BE49-F238E27FC236}">
-                <a16:creationId xmlns:a16="http://schemas.microsoft.com/office/drawing/2014/main" id="{00A5CBB7-6602-4911-8221-648E1BA348FB}"/>
-              </a:ext>
-            </a:extLst>
-          </p:cNvPr>
+          <p:cNvPr id="5" name="图片 4"/>
           <p:cNvPicPr>
             <a:picLocks noChangeAspect="1"/>
           </p:cNvPicPr>
@@ -20495,8 +20506,8 @@
         </p:blipFill>
         <p:spPr>
           <a:xfrm>
-            <a:off x="396330" y="1378403"/>
-            <a:ext cx="8161307" cy="2713668"/>
+            <a:off x="468338" y="1204392"/>
+            <a:ext cx="7911821" cy="3024336"/>
           </a:xfrm>
           <a:prstGeom prst="rect">
             <a:avLst/>
@@ -20609,41 +20620,6 @@
                                         </p:tav>
                                       </p:tavLst>
                                     </p:anim>
-                                  </p:childTnLst>
-                                </p:cTn>
-                              </p:par>
-                              <p:par>
-                                <p:cTn id="9" presetID="6" presetClass="entr" presetSubtype="16" fill="hold" nodeType="withEffect">
-                                  <p:stCondLst>
-                                    <p:cond delay="0"/>
-                                  </p:stCondLst>
-                                  <p:childTnLst>
-                                    <p:set>
-                                      <p:cBhvr>
-                                        <p:cTn id="10" dur="1" fill="hold">
-                                          <p:stCondLst>
-                                            <p:cond delay="0"/>
-                                          </p:stCondLst>
-                                        </p:cTn>
-                                        <p:tgtEl>
-                                          <p:spTgt spid="7"/>
-                                        </p:tgtEl>
-                                        <p:attrNameLst>
-                                          <p:attrName>style.visibility</p:attrName>
-                                        </p:attrNameLst>
-                                      </p:cBhvr>
-                                      <p:to>
-                                        <p:strVal val="visible"/>
-                                      </p:to>
-                                    </p:set>
-                                    <p:animEffect transition="in" filter="circle(in)">
-                                      <p:cBhvr>
-                                        <p:cTn id="11" dur="500"/>
-                                        <p:tgtEl>
-                                          <p:spTgt spid="7"/>
-                                        </p:tgtEl>
-                                      </p:cBhvr>
-                                    </p:animEffect>
                                   </p:childTnLst>
                                 </p:cTn>
                               </p:par>
@@ -22374,182 +22350,10 @@
       </p:grpSpPr>
       <p:sp>
         <p:nvSpPr>
-          <p:cNvPr id="11" name="TextBox 11">
+          <p:cNvPr id="2" name="矩形 1">
             <a:extLst>
               <a:ext uri="{FF2B5EF4-FFF2-40B4-BE49-F238E27FC236}">
-                <a16:creationId xmlns:a16="http://schemas.microsoft.com/office/drawing/2014/main" id="{4E59B2F5-1D38-431D-B5EF-F3BE06FDA12E}"/>
-              </a:ext>
-            </a:extLst>
-          </p:cNvPr>
-          <p:cNvSpPr txBox="1"/>
-          <p:nvPr/>
-        </p:nvSpPr>
-        <p:spPr>
-          <a:xfrm>
-            <a:off x="2445176" y="1941954"/>
-            <a:ext cx="1826141" cy="1077218"/>
-          </a:xfrm>
-          <a:prstGeom prst="rect">
-            <a:avLst/>
-          </a:prstGeom>
-          <a:noFill/>
-        </p:spPr>
-        <p:txBody>
-          <a:bodyPr wrap="none" rtlCol="0">
-            <a:spAutoFit/>
-          </a:bodyPr>
-          <a:lstStyle/>
-          <a:p>
-            <a:pPr marL="0" lvl="1"/>
-            <a:r>
-              <a:rPr lang="zh-CN" altLang="en-US" sz="3200" b="1" dirty="0">
-                <a:solidFill>
-                  <a:schemeClr val="accent2"/>
-                </a:solidFill>
-                <a:latin typeface="微软雅黑" panose="020B0503020204020204" pitchFamily="34" charset="-122"/>
-                <a:ea typeface="微软雅黑" panose="020B0503020204020204" pitchFamily="34" charset="-122"/>
-              </a:rPr>
-              <a:t>第六部分</a:t>
-            </a:r>
-            <a:endParaRPr lang="en-US" altLang="zh-CN" sz="3200" b="1" dirty="0">
-              <a:solidFill>
-                <a:schemeClr val="accent2"/>
-              </a:solidFill>
-              <a:latin typeface="微软雅黑" panose="020B0503020204020204" pitchFamily="34" charset="-122"/>
-              <a:ea typeface="微软雅黑" panose="020B0503020204020204" pitchFamily="34" charset="-122"/>
-            </a:endParaRPr>
-          </a:p>
-          <a:p>
-            <a:r>
-              <a:rPr lang="zh-CN" altLang="en-US" sz="3200" b="1" dirty="0">
-                <a:solidFill>
-                  <a:schemeClr val="bg1">
-                    <a:lumMod val="50000"/>
-                  </a:schemeClr>
-                </a:solidFill>
-                <a:latin typeface="Arial" panose="020B0604020202020204" pitchFamily="34" charset="0"/>
-                <a:ea typeface="微软雅黑" panose="020B0503020204020204" pitchFamily="34" charset="-122"/>
-                <a:sym typeface="Arial" panose="020B0604020202020204" pitchFamily="34" charset="0"/>
-              </a:rPr>
-              <a:t>预算</a:t>
-            </a:r>
-            <a:endParaRPr lang="zh-CN" altLang="en-US" sz="1100" b="1" dirty="0">
-              <a:solidFill>
-                <a:schemeClr val="bg1">
-                  <a:lumMod val="50000"/>
-                </a:schemeClr>
-              </a:solidFill>
-              <a:latin typeface="Arial" panose="020B0604020202020204" pitchFamily="34" charset="0"/>
-              <a:ea typeface="微软雅黑" panose="020B0503020204020204" pitchFamily="34" charset="-122"/>
-              <a:sym typeface="Arial" panose="020B0604020202020204" pitchFamily="34" charset="0"/>
-            </a:endParaRPr>
-          </a:p>
-        </p:txBody>
-      </p:sp>
-      <p:cxnSp>
-        <p:nvCxnSpPr>
-          <p:cNvPr id="12" name="直接连接符 11">
-            <a:extLst>
-              <a:ext uri="{FF2B5EF4-FFF2-40B4-BE49-F238E27FC236}">
-                <a16:creationId xmlns:a16="http://schemas.microsoft.com/office/drawing/2014/main" id="{14901697-7294-4787-8C21-B17D6C79F8DF}"/>
-              </a:ext>
-            </a:extLst>
-          </p:cNvPr>
-          <p:cNvCxnSpPr/>
-          <p:nvPr/>
-        </p:nvCxnSpPr>
-        <p:spPr>
-          <a:xfrm flipV="1">
-            <a:off x="2310425" y="1843828"/>
-            <a:ext cx="0" cy="1420588"/>
-          </a:xfrm>
-          <a:prstGeom prst="line">
-            <a:avLst/>
-          </a:prstGeom>
-          <a:ln w="12700">
-            <a:solidFill>
-              <a:schemeClr val="accent2"/>
-            </a:solidFill>
-            <a:prstDash val="dash"/>
-          </a:ln>
-        </p:spPr>
-        <p:style>
-          <a:lnRef idx="1">
-            <a:schemeClr val="accent1"/>
-          </a:lnRef>
-          <a:fillRef idx="0">
-            <a:schemeClr val="accent1"/>
-          </a:fillRef>
-          <a:effectRef idx="0">
-            <a:schemeClr val="accent1"/>
-          </a:effectRef>
-          <a:fontRef idx="minor">
-            <a:schemeClr val="tx1"/>
-          </a:fontRef>
-        </p:style>
-      </p:cxnSp>
-      <p:sp>
-        <p:nvSpPr>
-          <p:cNvPr id="13" name="TextBox 13">
-            <a:extLst>
-              <a:ext uri="{FF2B5EF4-FFF2-40B4-BE49-F238E27FC236}">
-                <a16:creationId xmlns:a16="http://schemas.microsoft.com/office/drawing/2014/main" id="{0A8FC614-04A7-495E-8A16-62C8CB87190F}"/>
-              </a:ext>
-            </a:extLst>
-          </p:cNvPr>
-          <p:cNvSpPr txBox="1"/>
-          <p:nvPr/>
-        </p:nvSpPr>
-        <p:spPr>
-          <a:xfrm>
-            <a:off x="1056424" y="3018214"/>
-            <a:ext cx="902731" cy="246264"/>
-          </a:xfrm>
-          <a:prstGeom prst="rect">
-            <a:avLst/>
-          </a:prstGeom>
-          <a:noFill/>
-        </p:spPr>
-        <p:txBody>
-          <a:bodyPr wrap="square" lIns="0" tIns="0" rIns="0" bIns="0" rtlCol="0">
-            <a:spAutoFit/>
-          </a:bodyPr>
-          <a:lstStyle/>
-          <a:p>
-            <a:r>
-              <a:rPr lang="en-US" altLang="zh-CN" sz="1600" dirty="0">
-                <a:solidFill>
-                  <a:schemeClr val="tx1">
-                    <a:lumMod val="65000"/>
-                    <a:lumOff val="35000"/>
-                  </a:schemeClr>
-                </a:solidFill>
-                <a:latin typeface="Arial" panose="020B0604020202020204" pitchFamily="34" charset="0"/>
-                <a:ea typeface="+mj-ea"/>
-                <a:cs typeface="Arial" panose="020B0604020202020204" pitchFamily="34" charset="0"/>
-              </a:rPr>
-              <a:t>PART 06</a:t>
-            </a:r>
-            <a:endParaRPr lang="zh-CN" altLang="en-US" sz="1600" dirty="0">
-              <a:solidFill>
-                <a:schemeClr val="tx1">
-                  <a:lumMod val="65000"/>
-                  <a:lumOff val="35000"/>
-                </a:schemeClr>
-              </a:solidFill>
-              <a:latin typeface="Arial" panose="020B0604020202020204" pitchFamily="34" charset="0"/>
-              <a:ea typeface="+mj-ea"/>
-              <a:cs typeface="Arial" panose="020B0604020202020204" pitchFamily="34" charset="0"/>
-            </a:endParaRPr>
-          </a:p>
-        </p:txBody>
-      </p:sp>
-      <p:sp>
-        <p:nvSpPr>
-          <p:cNvPr id="14" name="椭圆 13">
-            <a:extLst>
-              <a:ext uri="{FF2B5EF4-FFF2-40B4-BE49-F238E27FC236}">
-                <a16:creationId xmlns:a16="http://schemas.microsoft.com/office/drawing/2014/main" id="{6FEF5A68-FBBE-4F6A-87D8-F6D8C6918FDB}"/>
+                <a16:creationId xmlns:a16="http://schemas.microsoft.com/office/drawing/2014/main" id="{EEE0EC13-86F4-403E-BD86-47B2AF6650BA}"/>
               </a:ext>
             </a:extLst>
           </p:cNvPr>
@@ -22558,14 +22362,14 @@
         </p:nvSpPr>
         <p:spPr>
           <a:xfrm>
-            <a:off x="900386" y="1840587"/>
-            <a:ext cx="1004396" cy="1004396"/>
+            <a:off x="0" y="256436"/>
+            <a:ext cx="1548458" cy="504056"/>
           </a:xfrm>
-          <a:prstGeom prst="ellipse">
+          <a:prstGeom prst="rect">
             <a:avLst/>
           </a:prstGeom>
           <a:solidFill>
-            <a:schemeClr val="accent1"/>
+            <a:schemeClr val="bg1"/>
           </a:solidFill>
           <a:ln>
             <a:noFill/>
@@ -22591,76 +22395,107 @@
           <a:bodyPr rtlCol="0" anchor="ctr"/>
           <a:lstStyle/>
           <a:p>
-            <a:pPr algn="ctr"/>
-            <a:endParaRPr lang="zh-CN" altLang="en-US" sz="1280" dirty="0">
-              <a:solidFill>
-                <a:srgbClr val="080808"/>
-              </a:solidFill>
-              <a:latin typeface="+mj-ea"/>
-              <a:ea typeface="+mj-ea"/>
-            </a:endParaRPr>
+            <a:endParaRPr lang="zh-CN" altLang="en-US"/>
           </a:p>
         </p:txBody>
       </p:sp>
-      <p:sp>
-        <p:nvSpPr>
-          <p:cNvPr id="17" name="TextBox 13">
+      <p:pic>
+        <p:nvPicPr>
+          <p:cNvPr id="3" name="图片 2">
             <a:extLst>
               <a:ext uri="{FF2B5EF4-FFF2-40B4-BE49-F238E27FC236}">
-                <a16:creationId xmlns:a16="http://schemas.microsoft.com/office/drawing/2014/main" id="{891578EA-D96C-4429-B1E5-FC1D8B659495}"/>
+                <a16:creationId xmlns:a16="http://schemas.microsoft.com/office/drawing/2014/main" id="{DA07CDA8-1563-4ACB-A9DC-8F6058E7D610}"/>
               </a:ext>
             </a:extLst>
           </p:cNvPr>
-          <p:cNvSpPr txBox="1"/>
+          <p:cNvPicPr>
+            <a:picLocks noChangeAspect="1"/>
+          </p:cNvPicPr>
+          <p:nvPr/>
+        </p:nvPicPr>
+        <p:blipFill>
+          <a:blip r:embed="rId2" cstate="print">
+            <a:extLst>
+              <a:ext uri="{28A0092B-C50C-407E-A947-70E740481C1C}">
+                <a14:useLocalDpi xmlns:a14="http://schemas.microsoft.com/office/drawing/2010/main" val="0"/>
+              </a:ext>
+            </a:extLst>
+          </a:blip>
+          <a:stretch>
+            <a:fillRect/>
+          </a:stretch>
+        </p:blipFill>
+        <p:spPr>
+          <a:xfrm>
+            <a:off x="82219" y="98193"/>
+            <a:ext cx="1034191" cy="1034191"/>
+          </a:xfrm>
+          <a:prstGeom prst="rect">
+            <a:avLst/>
+          </a:prstGeom>
+        </p:spPr>
+      </p:pic>
+      <p:sp>
+        <p:nvSpPr>
+          <p:cNvPr id="4" name="矩形 3">
+            <a:extLst>
+              <a:ext uri="{FF2B5EF4-FFF2-40B4-BE49-F238E27FC236}">
+                <a16:creationId xmlns:a16="http://schemas.microsoft.com/office/drawing/2014/main" id="{B430CE9F-1C02-436D-A782-90E38F398E20}"/>
+              </a:ext>
+            </a:extLst>
+          </p:cNvPr>
+          <p:cNvSpPr/>
           <p:nvPr/>
         </p:nvSpPr>
         <p:spPr>
           <a:xfrm>
-            <a:off x="1038188" y="1982596"/>
-            <a:ext cx="902731" cy="769255"/>
+            <a:off x="1198629" y="508464"/>
+            <a:ext cx="7334605" cy="461665"/>
           </a:xfrm>
           <a:prstGeom prst="rect">
             <a:avLst/>
           </a:prstGeom>
-          <a:noFill/>
         </p:spPr>
         <p:txBody>
-          <a:bodyPr wrap="square" lIns="0" tIns="0" rIns="0" bIns="0" rtlCol="0">
+          <a:bodyPr wrap="square">
             <a:spAutoFit/>
           </a:bodyPr>
           <a:lstStyle/>
           <a:p>
+            <a:pPr lvl="0"/>
             <a:r>
-              <a:rPr lang="en-US" altLang="zh-CN" sz="4999" b="1" dirty="0">
-                <a:solidFill>
-                  <a:schemeClr val="bg1"/>
-                </a:solidFill>
-                <a:latin typeface="Arial" panose="020B0604020202020204" pitchFamily="34" charset="0"/>
-                <a:ea typeface="+mj-ea"/>
-                <a:cs typeface="Arial" panose="020B0604020202020204" pitchFamily="34" charset="0"/>
+              <a:rPr lang="zh-CN" altLang="en-US" sz="2400" b="1" dirty="0">
+                <a:ln w="6350">
+                  <a:noFill/>
+                </a:ln>
+                <a:solidFill>
+                  <a:prstClr val="white">
+                    <a:lumMod val="50000"/>
+                  </a:prstClr>
+                </a:solidFill>
+                <a:latin typeface="微软雅黑" pitchFamily="34" charset="-122"/>
+                <a:ea typeface="微软雅黑" pitchFamily="34" charset="-122"/>
               </a:rPr>
-              <a:t>06</a:t>
+              <a:t>甘特图</a:t>
             </a:r>
-            <a:endParaRPr lang="zh-CN" altLang="en-US" sz="4999" b="1" dirty="0">
+            <a:endParaRPr lang="en-US" altLang="zh-CN" sz="2400" b="1" dirty="0">
+              <a:ln w="6350">
+                <a:noFill/>
+              </a:ln>
               <a:solidFill>
-                <a:schemeClr val="bg1"/>
+                <a:prstClr val="white">
+                  <a:lumMod val="50000"/>
+                </a:prstClr>
               </a:solidFill>
-              <a:latin typeface="Arial" panose="020B0604020202020204" pitchFamily="34" charset="0"/>
-              <a:ea typeface="+mj-ea"/>
-              <a:cs typeface="Arial" panose="020B0604020202020204" pitchFamily="34" charset="0"/>
+              <a:latin typeface="微软雅黑" pitchFamily="34" charset="-122"/>
+              <a:ea typeface="微软雅黑" pitchFamily="34" charset="-122"/>
             </a:endParaRPr>
           </a:p>
         </p:txBody>
       </p:sp>
       <p:pic>
         <p:nvPicPr>
-          <p:cNvPr id="21" name="图片 20">
-            <a:extLst>
-              <a:ext uri="{FF2B5EF4-FFF2-40B4-BE49-F238E27FC236}">
-                <a16:creationId xmlns:a16="http://schemas.microsoft.com/office/drawing/2014/main" id="{58488CAF-9C02-4F79-8CC1-7CF38D619CB0}"/>
-              </a:ext>
-            </a:extLst>
-          </p:cNvPr>
+          <p:cNvPr id="5" name="图片 4"/>
           <p:cNvPicPr>
             <a:picLocks noChangeAspect="1"/>
           </p:cNvPicPr>
@@ -22680,8 +22515,8 @@
         </p:blipFill>
         <p:spPr>
           <a:xfrm>
-            <a:off x="4644802" y="196280"/>
-            <a:ext cx="4412814" cy="4894829"/>
+            <a:off x="1524368" y="1143594"/>
+            <a:ext cx="6096851" cy="2857899"/>
           </a:xfrm>
           <a:prstGeom prst="rect">
             <a:avLst/>
@@ -22691,25 +22526,16 @@
     </p:spTree>
     <p:extLst>
       <p:ext uri="{BB962C8B-B14F-4D97-AF65-F5344CB8AC3E}">
-        <p14:creationId xmlns:p14="http://schemas.microsoft.com/office/powerpoint/2010/main" val="2977146924"/>
+        <p14:creationId xmlns:p14="http://schemas.microsoft.com/office/powerpoint/2010/main" val="1467349983"/>
       </p:ext>
     </p:extLst>
   </p:cSld>
   <p:clrMapOvr>
     <a:masterClrMapping/>
   </p:clrMapOvr>
-  <mc:AlternateContent xmlns:mc="http://schemas.openxmlformats.org/markup-compatibility/2006" xmlns:p14="http://schemas.microsoft.com/office/powerpoint/2010/main">
-    <mc:Choice Requires="p14">
-      <p:transition spd="slow" p14:dur="1250" advClick="0" advTm="0">
-        <p14:doors dir="vert"/>
-      </p:transition>
-    </mc:Choice>
-    <mc:Fallback xmlns="">
-      <p:transition spd="slow" advClick="0" advTm="0">
-        <p:fade/>
-      </p:transition>
-    </mc:Fallback>
-  </mc:AlternateContent>
+  <p:transition spd="med" advClick="0" advTm="0">
+    <p:push dir="r"/>
+  </p:transition>
   <p:timing>
     <p:tnLst>
       <p:par>
@@ -22734,7 +22560,7 @@
                             </p:stCondLst>
                             <p:childTnLst>
                               <p:par>
-                                <p:cTn id="5" presetID="42" presetClass="entr" presetSubtype="0" fill="hold" nodeType="withEffect">
+                                <p:cTn id="5" presetID="17" presetClass="entr" presetSubtype="10" fill="hold" grpId="0" nodeType="withEffect">
                                   <p:stCondLst>
                                     <p:cond delay="0"/>
                                   </p:stCondLst>
@@ -22747,88 +22573,7 @@
                                           </p:stCondLst>
                                         </p:cTn>
                                         <p:tgtEl>
-                                          <p:spTgt spid="21"/>
-                                        </p:tgtEl>
-                                        <p:attrNameLst>
-                                          <p:attrName>style.visibility</p:attrName>
-                                        </p:attrNameLst>
-                                      </p:cBhvr>
-                                      <p:to>
-                                        <p:strVal val="visible"/>
-                                      </p:to>
-                                    </p:set>
-                                    <p:animEffect transition="in" filter="fade">
-                                      <p:cBhvr>
-                                        <p:cTn id="7" dur="1000"/>
-                                        <p:tgtEl>
-                                          <p:spTgt spid="21"/>
-                                        </p:tgtEl>
-                                      </p:cBhvr>
-                                    </p:animEffect>
-                                    <p:anim calcmode="lin" valueType="num">
-                                      <p:cBhvr>
-                                        <p:cTn id="8" dur="1000" fill="hold"/>
-                                        <p:tgtEl>
-                                          <p:spTgt spid="21"/>
-                                        </p:tgtEl>
-                                        <p:attrNameLst>
-                                          <p:attrName>ppt_x</p:attrName>
-                                        </p:attrNameLst>
-                                      </p:cBhvr>
-                                      <p:tavLst>
-                                        <p:tav tm="0">
-                                          <p:val>
-                                            <p:strVal val="#ppt_x"/>
-                                          </p:val>
-                                        </p:tav>
-                                        <p:tav tm="100000">
-                                          <p:val>
-                                            <p:strVal val="#ppt_x"/>
-                                          </p:val>
-                                        </p:tav>
-                                      </p:tavLst>
-                                    </p:anim>
-                                    <p:anim calcmode="lin" valueType="num">
-                                      <p:cBhvr>
-                                        <p:cTn id="9" dur="1000" fill="hold"/>
-                                        <p:tgtEl>
-                                          <p:spTgt spid="21"/>
-                                        </p:tgtEl>
-                                        <p:attrNameLst>
-                                          <p:attrName>ppt_y</p:attrName>
-                                        </p:attrNameLst>
-                                      </p:cBhvr>
-                                      <p:tavLst>
-                                        <p:tav tm="0">
-                                          <p:val>
-                                            <p:strVal val="#ppt_y+.1"/>
-                                          </p:val>
-                                        </p:tav>
-                                        <p:tav tm="100000">
-                                          <p:val>
-                                            <p:strVal val="#ppt_y"/>
-                                          </p:val>
-                                        </p:tav>
-                                      </p:tavLst>
-                                    </p:anim>
-                                  </p:childTnLst>
-                                </p:cTn>
-                              </p:par>
-                              <p:par>
-                                <p:cTn id="10" presetID="2" presetClass="entr" presetSubtype="8" fill="hold" grpId="0" nodeType="withEffect">
-                                  <p:stCondLst>
-                                    <p:cond delay="0"/>
-                                  </p:stCondLst>
-                                  <p:childTnLst>
-                                    <p:set>
-                                      <p:cBhvr>
-                                        <p:cTn id="11" dur="1" fill="hold">
-                                          <p:stCondLst>
-                                            <p:cond delay="0"/>
-                                          </p:stCondLst>
-                                        </p:cTn>
-                                        <p:tgtEl>
-                                          <p:spTgt spid="14"/>
+                                          <p:spTgt spid="4"/>
                                         </p:tgtEl>
                                         <p:attrNameLst>
                                           <p:attrName>style.visibility</p:attrName>
@@ -22839,302 +22584,47 @@
                                       </p:to>
                                     </p:set>
                                     <p:anim calcmode="lin" valueType="num">
-                                      <p:cBhvr additive="base">
-                                        <p:cTn id="12" dur="500" fill="hold"/>
+                                      <p:cBhvr>
+                                        <p:cTn id="7" dur="500" fill="hold"/>
                                         <p:tgtEl>
-                                          <p:spTgt spid="14"/>
+                                          <p:spTgt spid="4"/>
                                         </p:tgtEl>
                                         <p:attrNameLst>
-                                          <p:attrName>ppt_x</p:attrName>
+                                          <p:attrName>ppt_w</p:attrName>
                                         </p:attrNameLst>
                                       </p:cBhvr>
                                       <p:tavLst>
                                         <p:tav tm="0">
                                           <p:val>
-                                            <p:strVal val="0-#ppt_w/2"/>
+                                            <p:fltVal val="0"/>
                                           </p:val>
                                         </p:tav>
                                         <p:tav tm="100000">
                                           <p:val>
-                                            <p:strVal val="#ppt_x"/>
-                                          </p:val>
-                                        </p:tav>
-                                      </p:tavLst>
-                                    </p:anim>
-                                    <p:anim calcmode="lin" valueType="num">
-                                      <p:cBhvr additive="base">
-                                        <p:cTn id="13" dur="500" fill="hold"/>
-                                        <p:tgtEl>
-                                          <p:spTgt spid="14"/>
-                                        </p:tgtEl>
-                                        <p:attrNameLst>
-                                          <p:attrName>ppt_y</p:attrName>
-                                        </p:attrNameLst>
-                                      </p:cBhvr>
-                                      <p:tavLst>
-                                        <p:tav tm="0">
-                                          <p:val>
-                                            <p:strVal val="#ppt_y"/>
-                                          </p:val>
-                                        </p:tav>
-                                        <p:tav tm="100000">
-                                          <p:val>
-                                            <p:strVal val="#ppt_y"/>
-                                          </p:val>
-                                        </p:tav>
-                                      </p:tavLst>
-                                    </p:anim>
-                                  </p:childTnLst>
-                                </p:cTn>
-                              </p:par>
-                              <p:par>
-                                <p:cTn id="14" presetID="22" presetClass="entr" presetSubtype="4" fill="hold" nodeType="withEffect">
-                                  <p:stCondLst>
-                                    <p:cond delay="0"/>
-                                  </p:stCondLst>
-                                  <p:childTnLst>
-                                    <p:set>
-                                      <p:cBhvr>
-                                        <p:cTn id="15" dur="1" fill="hold">
-                                          <p:stCondLst>
-                                            <p:cond delay="0"/>
-                                          </p:stCondLst>
-                                        </p:cTn>
-                                        <p:tgtEl>
-                                          <p:spTgt spid="12"/>
-                                        </p:tgtEl>
-                                        <p:attrNameLst>
-                                          <p:attrName>style.visibility</p:attrName>
-                                        </p:attrNameLst>
-                                      </p:cBhvr>
-                                      <p:to>
-                                        <p:strVal val="visible"/>
-                                      </p:to>
-                                    </p:set>
-                                    <p:animEffect transition="in" filter="wipe(down)">
-                                      <p:cBhvr>
-                                        <p:cTn id="16" dur="500"/>
-                                        <p:tgtEl>
-                                          <p:spTgt spid="12"/>
-                                        </p:tgtEl>
-                                      </p:cBhvr>
-                                    </p:animEffect>
-                                  </p:childTnLst>
-                                </p:cTn>
-                              </p:par>
-                              <p:par>
-                                <p:cTn id="17" presetID="47" presetClass="entr" presetSubtype="0" fill="hold" grpId="0" nodeType="withEffect">
-                                  <p:stCondLst>
-                                    <p:cond delay="0"/>
-                                  </p:stCondLst>
-                                  <p:childTnLst>
-                                    <p:set>
-                                      <p:cBhvr>
-                                        <p:cTn id="18" dur="1" fill="hold">
-                                          <p:stCondLst>
-                                            <p:cond delay="0"/>
-                                          </p:stCondLst>
-                                        </p:cTn>
-                                        <p:tgtEl>
-                                          <p:spTgt spid="17"/>
-                                        </p:tgtEl>
-                                        <p:attrNameLst>
-                                          <p:attrName>style.visibility</p:attrName>
-                                        </p:attrNameLst>
-                                      </p:cBhvr>
-                                      <p:to>
-                                        <p:strVal val="visible"/>
-                                      </p:to>
-                                    </p:set>
-                                    <p:animEffect transition="in" filter="fade">
-                                      <p:cBhvr>
-                                        <p:cTn id="19" dur="500"/>
-                                        <p:tgtEl>
-                                          <p:spTgt spid="17"/>
-                                        </p:tgtEl>
-                                      </p:cBhvr>
-                                    </p:animEffect>
-                                    <p:anim calcmode="lin" valueType="num">
-                                      <p:cBhvr>
-                                        <p:cTn id="20" dur="500" fill="hold"/>
-                                        <p:tgtEl>
-                                          <p:spTgt spid="17"/>
-                                        </p:tgtEl>
-                                        <p:attrNameLst>
-                                          <p:attrName>ppt_x</p:attrName>
-                                        </p:attrNameLst>
-                                      </p:cBhvr>
-                                      <p:tavLst>
-                                        <p:tav tm="0">
-                                          <p:val>
-                                            <p:strVal val="#ppt_x"/>
-                                          </p:val>
-                                        </p:tav>
-                                        <p:tav tm="100000">
-                                          <p:val>
-                                            <p:strVal val="#ppt_x"/>
+                                            <p:strVal val="#ppt_w"/>
                                           </p:val>
                                         </p:tav>
                                       </p:tavLst>
                                     </p:anim>
                                     <p:anim calcmode="lin" valueType="num">
                                       <p:cBhvr>
-                                        <p:cTn id="21" dur="500" fill="hold"/>
+                                        <p:cTn id="8" dur="500" fill="hold"/>
                                         <p:tgtEl>
-                                          <p:spTgt spid="17"/>
+                                          <p:spTgt spid="4"/>
                                         </p:tgtEl>
                                         <p:attrNameLst>
-                                          <p:attrName>ppt_y</p:attrName>
+                                          <p:attrName>ppt_h</p:attrName>
                                         </p:attrNameLst>
                                       </p:cBhvr>
                                       <p:tavLst>
                                         <p:tav tm="0">
                                           <p:val>
-                                            <p:strVal val="#ppt_y-.1"/>
+                                            <p:strVal val="#ppt_h"/>
                                           </p:val>
                                         </p:tav>
                                         <p:tav tm="100000">
                                           <p:val>
-                                            <p:strVal val="#ppt_y"/>
-                                          </p:val>
-                                        </p:tav>
-                                      </p:tavLst>
-                                    </p:anim>
-                                  </p:childTnLst>
-                                </p:cTn>
-                              </p:par>
-                              <p:par>
-                                <p:cTn id="22" presetID="12" presetClass="entr" presetSubtype="8" fill="hold" grpId="0" nodeType="withEffect">
-                                  <p:stCondLst>
-                                    <p:cond delay="0"/>
-                                  </p:stCondLst>
-                                  <p:childTnLst>
-                                    <p:set>
-                                      <p:cBhvr>
-                                        <p:cTn id="23" dur="1" fill="hold">
-                                          <p:stCondLst>
-                                            <p:cond delay="0"/>
-                                          </p:stCondLst>
-                                        </p:cTn>
-                                        <p:tgtEl>
-                                          <p:spTgt spid="11"/>
-                                        </p:tgtEl>
-                                        <p:attrNameLst>
-                                          <p:attrName>style.visibility</p:attrName>
-                                        </p:attrNameLst>
-                                      </p:cBhvr>
-                                      <p:to>
-                                        <p:strVal val="visible"/>
-                                      </p:to>
-                                    </p:set>
-                                    <p:anim calcmode="lin" valueType="num">
-                                      <p:cBhvr additive="base">
-                                        <p:cTn id="24" dur="500"/>
-                                        <p:tgtEl>
-                                          <p:spTgt spid="11"/>
-                                        </p:tgtEl>
-                                        <p:attrNameLst>
-                                          <p:attrName>ppt_x</p:attrName>
-                                        </p:attrNameLst>
-                                      </p:cBhvr>
-                                      <p:tavLst>
-                                        <p:tav tm="0">
-                                          <p:val>
-                                            <p:strVal val="#ppt_x-#ppt_w*1.125000"/>
-                                          </p:val>
-                                        </p:tav>
-                                        <p:tav tm="100000">
-                                          <p:val>
-                                            <p:strVal val="#ppt_x"/>
-                                          </p:val>
-                                        </p:tav>
-                                      </p:tavLst>
-                                    </p:anim>
-                                    <p:animEffect transition="in" filter="wipe(right)">
-                                      <p:cBhvr>
-                                        <p:cTn id="25" dur="500"/>
-                                        <p:tgtEl>
-                                          <p:spTgt spid="11"/>
-                                        </p:tgtEl>
-                                      </p:cBhvr>
-                                    </p:animEffect>
-                                  </p:childTnLst>
-                                </p:cTn>
-                              </p:par>
-                              <p:par>
-                                <p:cTn id="26" presetID="47" presetClass="entr" presetSubtype="0" fill="hold" grpId="0" nodeType="withEffect">
-                                  <p:stCondLst>
-                                    <p:cond delay="0"/>
-                                  </p:stCondLst>
-                                  <p:childTnLst>
-                                    <p:set>
-                                      <p:cBhvr>
-                                        <p:cTn id="27" dur="1" fill="hold">
-                                          <p:stCondLst>
-                                            <p:cond delay="0"/>
-                                          </p:stCondLst>
-                                        </p:cTn>
-                                        <p:tgtEl>
-                                          <p:spTgt spid="13"/>
-                                        </p:tgtEl>
-                                        <p:attrNameLst>
-                                          <p:attrName>style.visibility</p:attrName>
-                                        </p:attrNameLst>
-                                      </p:cBhvr>
-                                      <p:to>
-                                        <p:strVal val="visible"/>
-                                      </p:to>
-                                    </p:set>
-                                    <p:animEffect transition="in" filter="fade">
-                                      <p:cBhvr>
-                                        <p:cTn id="28" dur="500"/>
-                                        <p:tgtEl>
-                                          <p:spTgt spid="13"/>
-                                        </p:tgtEl>
-                                      </p:cBhvr>
-                                    </p:animEffect>
-                                    <p:anim calcmode="lin" valueType="num">
-                                      <p:cBhvr>
-                                        <p:cTn id="29" dur="500" fill="hold"/>
-                                        <p:tgtEl>
-                                          <p:spTgt spid="13"/>
-                                        </p:tgtEl>
-                                        <p:attrNameLst>
-                                          <p:attrName>ppt_x</p:attrName>
-                                        </p:attrNameLst>
-                                      </p:cBhvr>
-                                      <p:tavLst>
-                                        <p:tav tm="0">
-                                          <p:val>
-                                            <p:strVal val="#ppt_x"/>
-                                          </p:val>
-                                        </p:tav>
-                                        <p:tav tm="100000">
-                                          <p:val>
-                                            <p:strVal val="#ppt_x"/>
-                                          </p:val>
-                                        </p:tav>
-                                      </p:tavLst>
-                                    </p:anim>
-                                    <p:anim calcmode="lin" valueType="num">
-                                      <p:cBhvr>
-                                        <p:cTn id="30" dur="500" fill="hold"/>
-                                        <p:tgtEl>
-                                          <p:spTgt spid="13"/>
-                                        </p:tgtEl>
-                                        <p:attrNameLst>
-                                          <p:attrName>ppt_y</p:attrName>
-                                        </p:attrNameLst>
-                                      </p:cBhvr>
-                                      <p:tavLst>
-                                        <p:tav tm="0">
-                                          <p:val>
-                                            <p:strVal val="#ppt_y-.1"/>
-                                          </p:val>
-                                        </p:tav>
-                                        <p:tav tm="100000">
-                                          <p:val>
-                                            <p:strVal val="#ppt_y"/>
+                                            <p:strVal val="#ppt_h"/>
                                           </p:val>
                                         </p:tav>
                                       </p:tavLst>
@@ -23170,10 +22660,7 @@
       </p:par>
     </p:tnLst>
     <p:bldLst>
-      <p:bldP spid="11" grpId="0"/>
-      <p:bldP spid="13" grpId="0"/>
-      <p:bldP spid="14" grpId="0" animBg="1"/>
-      <p:bldP spid="17" grpId="0"/>
+      <p:bldP spid="4" grpId="0"/>
     </p:bldLst>
   </p:timing>
 </p:sld>
@@ -24022,6 +23509,830 @@
       </p:grpSpPr>
       <p:sp>
         <p:nvSpPr>
+          <p:cNvPr id="11" name="TextBox 11">
+            <a:extLst>
+              <a:ext uri="{FF2B5EF4-FFF2-40B4-BE49-F238E27FC236}">
+                <a16:creationId xmlns:a16="http://schemas.microsoft.com/office/drawing/2014/main" id="{4E59B2F5-1D38-431D-B5EF-F3BE06FDA12E}"/>
+              </a:ext>
+            </a:extLst>
+          </p:cNvPr>
+          <p:cNvSpPr txBox="1"/>
+          <p:nvPr/>
+        </p:nvSpPr>
+        <p:spPr>
+          <a:xfrm>
+            <a:off x="2445176" y="1941954"/>
+            <a:ext cx="1826141" cy="1077218"/>
+          </a:xfrm>
+          <a:prstGeom prst="rect">
+            <a:avLst/>
+          </a:prstGeom>
+          <a:noFill/>
+        </p:spPr>
+        <p:txBody>
+          <a:bodyPr wrap="none" rtlCol="0">
+            <a:spAutoFit/>
+          </a:bodyPr>
+          <a:lstStyle/>
+          <a:p>
+            <a:pPr marL="0" lvl="1"/>
+            <a:r>
+              <a:rPr lang="zh-CN" altLang="en-US" sz="3200" b="1" dirty="0">
+                <a:solidFill>
+                  <a:schemeClr val="accent2"/>
+                </a:solidFill>
+                <a:latin typeface="微软雅黑" panose="020B0503020204020204" pitchFamily="34" charset="-122"/>
+                <a:ea typeface="微软雅黑" panose="020B0503020204020204" pitchFamily="34" charset="-122"/>
+              </a:rPr>
+              <a:t>第六部分</a:t>
+            </a:r>
+            <a:endParaRPr lang="en-US" altLang="zh-CN" sz="3200" b="1" dirty="0">
+              <a:solidFill>
+                <a:schemeClr val="accent2"/>
+              </a:solidFill>
+              <a:latin typeface="微软雅黑" panose="020B0503020204020204" pitchFamily="34" charset="-122"/>
+              <a:ea typeface="微软雅黑" panose="020B0503020204020204" pitchFamily="34" charset="-122"/>
+            </a:endParaRPr>
+          </a:p>
+          <a:p>
+            <a:r>
+              <a:rPr lang="zh-CN" altLang="en-US" sz="3200" b="1" dirty="0">
+                <a:solidFill>
+                  <a:schemeClr val="bg1">
+                    <a:lumMod val="50000"/>
+                  </a:schemeClr>
+                </a:solidFill>
+                <a:latin typeface="Arial" panose="020B0604020202020204" pitchFamily="34" charset="0"/>
+                <a:ea typeface="微软雅黑" panose="020B0503020204020204" pitchFamily="34" charset="-122"/>
+                <a:sym typeface="Arial" panose="020B0604020202020204" pitchFamily="34" charset="0"/>
+              </a:rPr>
+              <a:t>预算</a:t>
+            </a:r>
+            <a:endParaRPr lang="zh-CN" altLang="en-US" sz="1100" b="1" dirty="0">
+              <a:solidFill>
+                <a:schemeClr val="bg1">
+                  <a:lumMod val="50000"/>
+                </a:schemeClr>
+              </a:solidFill>
+              <a:latin typeface="Arial" panose="020B0604020202020204" pitchFamily="34" charset="0"/>
+              <a:ea typeface="微软雅黑" panose="020B0503020204020204" pitchFamily="34" charset="-122"/>
+              <a:sym typeface="Arial" panose="020B0604020202020204" pitchFamily="34" charset="0"/>
+            </a:endParaRPr>
+          </a:p>
+        </p:txBody>
+      </p:sp>
+      <p:cxnSp>
+        <p:nvCxnSpPr>
+          <p:cNvPr id="12" name="直接连接符 11">
+            <a:extLst>
+              <a:ext uri="{FF2B5EF4-FFF2-40B4-BE49-F238E27FC236}">
+                <a16:creationId xmlns:a16="http://schemas.microsoft.com/office/drawing/2014/main" id="{14901697-7294-4787-8C21-B17D6C79F8DF}"/>
+              </a:ext>
+            </a:extLst>
+          </p:cNvPr>
+          <p:cNvCxnSpPr/>
+          <p:nvPr/>
+        </p:nvCxnSpPr>
+        <p:spPr>
+          <a:xfrm flipV="1">
+            <a:off x="2310425" y="1843828"/>
+            <a:ext cx="0" cy="1420588"/>
+          </a:xfrm>
+          <a:prstGeom prst="line">
+            <a:avLst/>
+          </a:prstGeom>
+          <a:ln w="12700">
+            <a:solidFill>
+              <a:schemeClr val="accent2"/>
+            </a:solidFill>
+            <a:prstDash val="dash"/>
+          </a:ln>
+        </p:spPr>
+        <p:style>
+          <a:lnRef idx="1">
+            <a:schemeClr val="accent1"/>
+          </a:lnRef>
+          <a:fillRef idx="0">
+            <a:schemeClr val="accent1"/>
+          </a:fillRef>
+          <a:effectRef idx="0">
+            <a:schemeClr val="accent1"/>
+          </a:effectRef>
+          <a:fontRef idx="minor">
+            <a:schemeClr val="tx1"/>
+          </a:fontRef>
+        </p:style>
+      </p:cxnSp>
+      <p:sp>
+        <p:nvSpPr>
+          <p:cNvPr id="13" name="TextBox 13">
+            <a:extLst>
+              <a:ext uri="{FF2B5EF4-FFF2-40B4-BE49-F238E27FC236}">
+                <a16:creationId xmlns:a16="http://schemas.microsoft.com/office/drawing/2014/main" id="{0A8FC614-04A7-495E-8A16-62C8CB87190F}"/>
+              </a:ext>
+            </a:extLst>
+          </p:cNvPr>
+          <p:cNvSpPr txBox="1"/>
+          <p:nvPr/>
+        </p:nvSpPr>
+        <p:spPr>
+          <a:xfrm>
+            <a:off x="1056424" y="3018214"/>
+            <a:ext cx="902731" cy="246264"/>
+          </a:xfrm>
+          <a:prstGeom prst="rect">
+            <a:avLst/>
+          </a:prstGeom>
+          <a:noFill/>
+        </p:spPr>
+        <p:txBody>
+          <a:bodyPr wrap="square" lIns="0" tIns="0" rIns="0" bIns="0" rtlCol="0">
+            <a:spAutoFit/>
+          </a:bodyPr>
+          <a:lstStyle/>
+          <a:p>
+            <a:r>
+              <a:rPr lang="en-US" altLang="zh-CN" sz="1600" dirty="0">
+                <a:solidFill>
+                  <a:schemeClr val="tx1">
+                    <a:lumMod val="65000"/>
+                    <a:lumOff val="35000"/>
+                  </a:schemeClr>
+                </a:solidFill>
+                <a:latin typeface="Arial" panose="020B0604020202020204" pitchFamily="34" charset="0"/>
+                <a:ea typeface="+mj-ea"/>
+                <a:cs typeface="Arial" panose="020B0604020202020204" pitchFamily="34" charset="0"/>
+              </a:rPr>
+              <a:t>PART 06</a:t>
+            </a:r>
+            <a:endParaRPr lang="zh-CN" altLang="en-US" sz="1600" dirty="0">
+              <a:solidFill>
+                <a:schemeClr val="tx1">
+                  <a:lumMod val="65000"/>
+                  <a:lumOff val="35000"/>
+                </a:schemeClr>
+              </a:solidFill>
+              <a:latin typeface="Arial" panose="020B0604020202020204" pitchFamily="34" charset="0"/>
+              <a:ea typeface="+mj-ea"/>
+              <a:cs typeface="Arial" panose="020B0604020202020204" pitchFamily="34" charset="0"/>
+            </a:endParaRPr>
+          </a:p>
+        </p:txBody>
+      </p:sp>
+      <p:sp>
+        <p:nvSpPr>
+          <p:cNvPr id="14" name="椭圆 13">
+            <a:extLst>
+              <a:ext uri="{FF2B5EF4-FFF2-40B4-BE49-F238E27FC236}">
+                <a16:creationId xmlns:a16="http://schemas.microsoft.com/office/drawing/2014/main" id="{6FEF5A68-FBBE-4F6A-87D8-F6D8C6918FDB}"/>
+              </a:ext>
+            </a:extLst>
+          </p:cNvPr>
+          <p:cNvSpPr/>
+          <p:nvPr/>
+        </p:nvSpPr>
+        <p:spPr>
+          <a:xfrm>
+            <a:off x="900386" y="1840587"/>
+            <a:ext cx="1004396" cy="1004396"/>
+          </a:xfrm>
+          <a:prstGeom prst="ellipse">
+            <a:avLst/>
+          </a:prstGeom>
+          <a:solidFill>
+            <a:schemeClr val="accent1"/>
+          </a:solidFill>
+          <a:ln>
+            <a:noFill/>
+          </a:ln>
+        </p:spPr>
+        <p:style>
+          <a:lnRef idx="2">
+            <a:schemeClr val="accent1">
+              <a:shade val="50000"/>
+            </a:schemeClr>
+          </a:lnRef>
+          <a:fillRef idx="1">
+            <a:schemeClr val="accent1"/>
+          </a:fillRef>
+          <a:effectRef idx="0">
+            <a:schemeClr val="accent1"/>
+          </a:effectRef>
+          <a:fontRef idx="minor">
+            <a:schemeClr val="lt1"/>
+          </a:fontRef>
+        </p:style>
+        <p:txBody>
+          <a:bodyPr rtlCol="0" anchor="ctr"/>
+          <a:lstStyle/>
+          <a:p>
+            <a:pPr algn="ctr"/>
+            <a:endParaRPr lang="zh-CN" altLang="en-US" sz="1280" dirty="0">
+              <a:solidFill>
+                <a:srgbClr val="080808"/>
+              </a:solidFill>
+              <a:latin typeface="+mj-ea"/>
+              <a:ea typeface="+mj-ea"/>
+            </a:endParaRPr>
+          </a:p>
+        </p:txBody>
+      </p:sp>
+      <p:sp>
+        <p:nvSpPr>
+          <p:cNvPr id="17" name="TextBox 13">
+            <a:extLst>
+              <a:ext uri="{FF2B5EF4-FFF2-40B4-BE49-F238E27FC236}">
+                <a16:creationId xmlns:a16="http://schemas.microsoft.com/office/drawing/2014/main" id="{891578EA-D96C-4429-B1E5-FC1D8B659495}"/>
+              </a:ext>
+            </a:extLst>
+          </p:cNvPr>
+          <p:cNvSpPr txBox="1"/>
+          <p:nvPr/>
+        </p:nvSpPr>
+        <p:spPr>
+          <a:xfrm>
+            <a:off x="1038188" y="1982596"/>
+            <a:ext cx="902731" cy="769255"/>
+          </a:xfrm>
+          <a:prstGeom prst="rect">
+            <a:avLst/>
+          </a:prstGeom>
+          <a:noFill/>
+        </p:spPr>
+        <p:txBody>
+          <a:bodyPr wrap="square" lIns="0" tIns="0" rIns="0" bIns="0" rtlCol="0">
+            <a:spAutoFit/>
+          </a:bodyPr>
+          <a:lstStyle/>
+          <a:p>
+            <a:r>
+              <a:rPr lang="en-US" altLang="zh-CN" sz="4999" b="1" dirty="0">
+                <a:solidFill>
+                  <a:schemeClr val="bg1"/>
+                </a:solidFill>
+                <a:latin typeface="Arial" panose="020B0604020202020204" pitchFamily="34" charset="0"/>
+                <a:ea typeface="+mj-ea"/>
+                <a:cs typeface="Arial" panose="020B0604020202020204" pitchFamily="34" charset="0"/>
+              </a:rPr>
+              <a:t>06</a:t>
+            </a:r>
+            <a:endParaRPr lang="zh-CN" altLang="en-US" sz="4999" b="1" dirty="0">
+              <a:solidFill>
+                <a:schemeClr val="bg1"/>
+              </a:solidFill>
+              <a:latin typeface="Arial" panose="020B0604020202020204" pitchFamily="34" charset="0"/>
+              <a:ea typeface="+mj-ea"/>
+              <a:cs typeface="Arial" panose="020B0604020202020204" pitchFamily="34" charset="0"/>
+            </a:endParaRPr>
+          </a:p>
+        </p:txBody>
+      </p:sp>
+      <p:pic>
+        <p:nvPicPr>
+          <p:cNvPr id="21" name="图片 20">
+            <a:extLst>
+              <a:ext uri="{FF2B5EF4-FFF2-40B4-BE49-F238E27FC236}">
+                <a16:creationId xmlns:a16="http://schemas.microsoft.com/office/drawing/2014/main" id="{58488CAF-9C02-4F79-8CC1-7CF38D619CB0}"/>
+              </a:ext>
+            </a:extLst>
+          </p:cNvPr>
+          <p:cNvPicPr>
+            <a:picLocks noChangeAspect="1"/>
+          </p:cNvPicPr>
+          <p:nvPr/>
+        </p:nvPicPr>
+        <p:blipFill>
+          <a:blip r:embed="rId3">
+            <a:extLst>
+              <a:ext uri="{28A0092B-C50C-407E-A947-70E740481C1C}">
+                <a14:useLocalDpi xmlns:a14="http://schemas.microsoft.com/office/drawing/2010/main" val="0"/>
+              </a:ext>
+            </a:extLst>
+          </a:blip>
+          <a:stretch>
+            <a:fillRect/>
+          </a:stretch>
+        </p:blipFill>
+        <p:spPr>
+          <a:xfrm>
+            <a:off x="4644802" y="196280"/>
+            <a:ext cx="4412814" cy="4894829"/>
+          </a:xfrm>
+          <a:prstGeom prst="rect">
+            <a:avLst/>
+          </a:prstGeom>
+        </p:spPr>
+      </p:pic>
+    </p:spTree>
+    <p:extLst>
+      <p:ext uri="{BB962C8B-B14F-4D97-AF65-F5344CB8AC3E}">
+        <p14:creationId xmlns:p14="http://schemas.microsoft.com/office/powerpoint/2010/main" val="2977146924"/>
+      </p:ext>
+    </p:extLst>
+  </p:cSld>
+  <p:clrMapOvr>
+    <a:masterClrMapping/>
+  </p:clrMapOvr>
+  <mc:AlternateContent xmlns:mc="http://schemas.openxmlformats.org/markup-compatibility/2006" xmlns:p14="http://schemas.microsoft.com/office/powerpoint/2010/main">
+    <mc:Choice Requires="p14">
+      <p:transition spd="slow" p14:dur="1250" advClick="0" advTm="0">
+        <p14:doors dir="vert"/>
+      </p:transition>
+    </mc:Choice>
+    <mc:Fallback xmlns="">
+      <p:transition spd="slow" advClick="0" advTm="0">
+        <p:fade/>
+      </p:transition>
+    </mc:Fallback>
+  </mc:AlternateContent>
+  <p:timing>
+    <p:tnLst>
+      <p:par>
+        <p:cTn id="1" dur="indefinite" restart="never" nodeType="tmRoot">
+          <p:childTnLst>
+            <p:seq concurrent="1" nextAc="seek">
+              <p:cTn id="2" dur="indefinite" nodeType="mainSeq">
+                <p:childTnLst>
+                  <p:par>
+                    <p:cTn id="3" fill="hold">
+                      <p:stCondLst>
+                        <p:cond delay="indefinite"/>
+                        <p:cond evt="onBegin" delay="0">
+                          <p:tn val="2"/>
+                        </p:cond>
+                      </p:stCondLst>
+                      <p:childTnLst>
+                        <p:par>
+                          <p:cTn id="4" fill="hold">
+                            <p:stCondLst>
+                              <p:cond delay="0"/>
+                            </p:stCondLst>
+                            <p:childTnLst>
+                              <p:par>
+                                <p:cTn id="5" presetID="42" presetClass="entr" presetSubtype="0" fill="hold" nodeType="withEffect">
+                                  <p:stCondLst>
+                                    <p:cond delay="0"/>
+                                  </p:stCondLst>
+                                  <p:childTnLst>
+                                    <p:set>
+                                      <p:cBhvr>
+                                        <p:cTn id="6" dur="1" fill="hold">
+                                          <p:stCondLst>
+                                            <p:cond delay="0"/>
+                                          </p:stCondLst>
+                                        </p:cTn>
+                                        <p:tgtEl>
+                                          <p:spTgt spid="21"/>
+                                        </p:tgtEl>
+                                        <p:attrNameLst>
+                                          <p:attrName>style.visibility</p:attrName>
+                                        </p:attrNameLst>
+                                      </p:cBhvr>
+                                      <p:to>
+                                        <p:strVal val="visible"/>
+                                      </p:to>
+                                    </p:set>
+                                    <p:animEffect transition="in" filter="fade">
+                                      <p:cBhvr>
+                                        <p:cTn id="7" dur="1000"/>
+                                        <p:tgtEl>
+                                          <p:spTgt spid="21"/>
+                                        </p:tgtEl>
+                                      </p:cBhvr>
+                                    </p:animEffect>
+                                    <p:anim calcmode="lin" valueType="num">
+                                      <p:cBhvr>
+                                        <p:cTn id="8" dur="1000" fill="hold"/>
+                                        <p:tgtEl>
+                                          <p:spTgt spid="21"/>
+                                        </p:tgtEl>
+                                        <p:attrNameLst>
+                                          <p:attrName>ppt_x</p:attrName>
+                                        </p:attrNameLst>
+                                      </p:cBhvr>
+                                      <p:tavLst>
+                                        <p:tav tm="0">
+                                          <p:val>
+                                            <p:strVal val="#ppt_x"/>
+                                          </p:val>
+                                        </p:tav>
+                                        <p:tav tm="100000">
+                                          <p:val>
+                                            <p:strVal val="#ppt_x"/>
+                                          </p:val>
+                                        </p:tav>
+                                      </p:tavLst>
+                                    </p:anim>
+                                    <p:anim calcmode="lin" valueType="num">
+                                      <p:cBhvr>
+                                        <p:cTn id="9" dur="1000" fill="hold"/>
+                                        <p:tgtEl>
+                                          <p:spTgt spid="21"/>
+                                        </p:tgtEl>
+                                        <p:attrNameLst>
+                                          <p:attrName>ppt_y</p:attrName>
+                                        </p:attrNameLst>
+                                      </p:cBhvr>
+                                      <p:tavLst>
+                                        <p:tav tm="0">
+                                          <p:val>
+                                            <p:strVal val="#ppt_y+.1"/>
+                                          </p:val>
+                                        </p:tav>
+                                        <p:tav tm="100000">
+                                          <p:val>
+                                            <p:strVal val="#ppt_y"/>
+                                          </p:val>
+                                        </p:tav>
+                                      </p:tavLst>
+                                    </p:anim>
+                                  </p:childTnLst>
+                                </p:cTn>
+                              </p:par>
+                              <p:par>
+                                <p:cTn id="10" presetID="2" presetClass="entr" presetSubtype="8" fill="hold" grpId="0" nodeType="withEffect">
+                                  <p:stCondLst>
+                                    <p:cond delay="0"/>
+                                  </p:stCondLst>
+                                  <p:childTnLst>
+                                    <p:set>
+                                      <p:cBhvr>
+                                        <p:cTn id="11" dur="1" fill="hold">
+                                          <p:stCondLst>
+                                            <p:cond delay="0"/>
+                                          </p:stCondLst>
+                                        </p:cTn>
+                                        <p:tgtEl>
+                                          <p:spTgt spid="14"/>
+                                        </p:tgtEl>
+                                        <p:attrNameLst>
+                                          <p:attrName>style.visibility</p:attrName>
+                                        </p:attrNameLst>
+                                      </p:cBhvr>
+                                      <p:to>
+                                        <p:strVal val="visible"/>
+                                      </p:to>
+                                    </p:set>
+                                    <p:anim calcmode="lin" valueType="num">
+                                      <p:cBhvr additive="base">
+                                        <p:cTn id="12" dur="500" fill="hold"/>
+                                        <p:tgtEl>
+                                          <p:spTgt spid="14"/>
+                                        </p:tgtEl>
+                                        <p:attrNameLst>
+                                          <p:attrName>ppt_x</p:attrName>
+                                        </p:attrNameLst>
+                                      </p:cBhvr>
+                                      <p:tavLst>
+                                        <p:tav tm="0">
+                                          <p:val>
+                                            <p:strVal val="0-#ppt_w/2"/>
+                                          </p:val>
+                                        </p:tav>
+                                        <p:tav tm="100000">
+                                          <p:val>
+                                            <p:strVal val="#ppt_x"/>
+                                          </p:val>
+                                        </p:tav>
+                                      </p:tavLst>
+                                    </p:anim>
+                                    <p:anim calcmode="lin" valueType="num">
+                                      <p:cBhvr additive="base">
+                                        <p:cTn id="13" dur="500" fill="hold"/>
+                                        <p:tgtEl>
+                                          <p:spTgt spid="14"/>
+                                        </p:tgtEl>
+                                        <p:attrNameLst>
+                                          <p:attrName>ppt_y</p:attrName>
+                                        </p:attrNameLst>
+                                      </p:cBhvr>
+                                      <p:tavLst>
+                                        <p:tav tm="0">
+                                          <p:val>
+                                            <p:strVal val="#ppt_y"/>
+                                          </p:val>
+                                        </p:tav>
+                                        <p:tav tm="100000">
+                                          <p:val>
+                                            <p:strVal val="#ppt_y"/>
+                                          </p:val>
+                                        </p:tav>
+                                      </p:tavLst>
+                                    </p:anim>
+                                  </p:childTnLst>
+                                </p:cTn>
+                              </p:par>
+                              <p:par>
+                                <p:cTn id="14" presetID="22" presetClass="entr" presetSubtype="4" fill="hold" nodeType="withEffect">
+                                  <p:stCondLst>
+                                    <p:cond delay="0"/>
+                                  </p:stCondLst>
+                                  <p:childTnLst>
+                                    <p:set>
+                                      <p:cBhvr>
+                                        <p:cTn id="15" dur="1" fill="hold">
+                                          <p:stCondLst>
+                                            <p:cond delay="0"/>
+                                          </p:stCondLst>
+                                        </p:cTn>
+                                        <p:tgtEl>
+                                          <p:spTgt spid="12"/>
+                                        </p:tgtEl>
+                                        <p:attrNameLst>
+                                          <p:attrName>style.visibility</p:attrName>
+                                        </p:attrNameLst>
+                                      </p:cBhvr>
+                                      <p:to>
+                                        <p:strVal val="visible"/>
+                                      </p:to>
+                                    </p:set>
+                                    <p:animEffect transition="in" filter="wipe(down)">
+                                      <p:cBhvr>
+                                        <p:cTn id="16" dur="500"/>
+                                        <p:tgtEl>
+                                          <p:spTgt spid="12"/>
+                                        </p:tgtEl>
+                                      </p:cBhvr>
+                                    </p:animEffect>
+                                  </p:childTnLst>
+                                </p:cTn>
+                              </p:par>
+                              <p:par>
+                                <p:cTn id="17" presetID="47" presetClass="entr" presetSubtype="0" fill="hold" grpId="0" nodeType="withEffect">
+                                  <p:stCondLst>
+                                    <p:cond delay="0"/>
+                                  </p:stCondLst>
+                                  <p:childTnLst>
+                                    <p:set>
+                                      <p:cBhvr>
+                                        <p:cTn id="18" dur="1" fill="hold">
+                                          <p:stCondLst>
+                                            <p:cond delay="0"/>
+                                          </p:stCondLst>
+                                        </p:cTn>
+                                        <p:tgtEl>
+                                          <p:spTgt spid="17"/>
+                                        </p:tgtEl>
+                                        <p:attrNameLst>
+                                          <p:attrName>style.visibility</p:attrName>
+                                        </p:attrNameLst>
+                                      </p:cBhvr>
+                                      <p:to>
+                                        <p:strVal val="visible"/>
+                                      </p:to>
+                                    </p:set>
+                                    <p:animEffect transition="in" filter="fade">
+                                      <p:cBhvr>
+                                        <p:cTn id="19" dur="500"/>
+                                        <p:tgtEl>
+                                          <p:spTgt spid="17"/>
+                                        </p:tgtEl>
+                                      </p:cBhvr>
+                                    </p:animEffect>
+                                    <p:anim calcmode="lin" valueType="num">
+                                      <p:cBhvr>
+                                        <p:cTn id="20" dur="500" fill="hold"/>
+                                        <p:tgtEl>
+                                          <p:spTgt spid="17"/>
+                                        </p:tgtEl>
+                                        <p:attrNameLst>
+                                          <p:attrName>ppt_x</p:attrName>
+                                        </p:attrNameLst>
+                                      </p:cBhvr>
+                                      <p:tavLst>
+                                        <p:tav tm="0">
+                                          <p:val>
+                                            <p:strVal val="#ppt_x"/>
+                                          </p:val>
+                                        </p:tav>
+                                        <p:tav tm="100000">
+                                          <p:val>
+                                            <p:strVal val="#ppt_x"/>
+                                          </p:val>
+                                        </p:tav>
+                                      </p:tavLst>
+                                    </p:anim>
+                                    <p:anim calcmode="lin" valueType="num">
+                                      <p:cBhvr>
+                                        <p:cTn id="21" dur="500" fill="hold"/>
+                                        <p:tgtEl>
+                                          <p:spTgt spid="17"/>
+                                        </p:tgtEl>
+                                        <p:attrNameLst>
+                                          <p:attrName>ppt_y</p:attrName>
+                                        </p:attrNameLst>
+                                      </p:cBhvr>
+                                      <p:tavLst>
+                                        <p:tav tm="0">
+                                          <p:val>
+                                            <p:strVal val="#ppt_y-.1"/>
+                                          </p:val>
+                                        </p:tav>
+                                        <p:tav tm="100000">
+                                          <p:val>
+                                            <p:strVal val="#ppt_y"/>
+                                          </p:val>
+                                        </p:tav>
+                                      </p:tavLst>
+                                    </p:anim>
+                                  </p:childTnLst>
+                                </p:cTn>
+                              </p:par>
+                              <p:par>
+                                <p:cTn id="22" presetID="12" presetClass="entr" presetSubtype="8" fill="hold" grpId="0" nodeType="withEffect">
+                                  <p:stCondLst>
+                                    <p:cond delay="0"/>
+                                  </p:stCondLst>
+                                  <p:childTnLst>
+                                    <p:set>
+                                      <p:cBhvr>
+                                        <p:cTn id="23" dur="1" fill="hold">
+                                          <p:stCondLst>
+                                            <p:cond delay="0"/>
+                                          </p:stCondLst>
+                                        </p:cTn>
+                                        <p:tgtEl>
+                                          <p:spTgt spid="11"/>
+                                        </p:tgtEl>
+                                        <p:attrNameLst>
+                                          <p:attrName>style.visibility</p:attrName>
+                                        </p:attrNameLst>
+                                      </p:cBhvr>
+                                      <p:to>
+                                        <p:strVal val="visible"/>
+                                      </p:to>
+                                    </p:set>
+                                    <p:anim calcmode="lin" valueType="num">
+                                      <p:cBhvr additive="base">
+                                        <p:cTn id="24" dur="500"/>
+                                        <p:tgtEl>
+                                          <p:spTgt spid="11"/>
+                                        </p:tgtEl>
+                                        <p:attrNameLst>
+                                          <p:attrName>ppt_x</p:attrName>
+                                        </p:attrNameLst>
+                                      </p:cBhvr>
+                                      <p:tavLst>
+                                        <p:tav tm="0">
+                                          <p:val>
+                                            <p:strVal val="#ppt_x-#ppt_w*1.125000"/>
+                                          </p:val>
+                                        </p:tav>
+                                        <p:tav tm="100000">
+                                          <p:val>
+                                            <p:strVal val="#ppt_x"/>
+                                          </p:val>
+                                        </p:tav>
+                                      </p:tavLst>
+                                    </p:anim>
+                                    <p:animEffect transition="in" filter="wipe(right)">
+                                      <p:cBhvr>
+                                        <p:cTn id="25" dur="500"/>
+                                        <p:tgtEl>
+                                          <p:spTgt spid="11"/>
+                                        </p:tgtEl>
+                                      </p:cBhvr>
+                                    </p:animEffect>
+                                  </p:childTnLst>
+                                </p:cTn>
+                              </p:par>
+                              <p:par>
+                                <p:cTn id="26" presetID="47" presetClass="entr" presetSubtype="0" fill="hold" grpId="0" nodeType="withEffect">
+                                  <p:stCondLst>
+                                    <p:cond delay="0"/>
+                                  </p:stCondLst>
+                                  <p:childTnLst>
+                                    <p:set>
+                                      <p:cBhvr>
+                                        <p:cTn id="27" dur="1" fill="hold">
+                                          <p:stCondLst>
+                                            <p:cond delay="0"/>
+                                          </p:stCondLst>
+                                        </p:cTn>
+                                        <p:tgtEl>
+                                          <p:spTgt spid="13"/>
+                                        </p:tgtEl>
+                                        <p:attrNameLst>
+                                          <p:attrName>style.visibility</p:attrName>
+                                        </p:attrNameLst>
+                                      </p:cBhvr>
+                                      <p:to>
+                                        <p:strVal val="visible"/>
+                                      </p:to>
+                                    </p:set>
+                                    <p:animEffect transition="in" filter="fade">
+                                      <p:cBhvr>
+                                        <p:cTn id="28" dur="500"/>
+                                        <p:tgtEl>
+                                          <p:spTgt spid="13"/>
+                                        </p:tgtEl>
+                                      </p:cBhvr>
+                                    </p:animEffect>
+                                    <p:anim calcmode="lin" valueType="num">
+                                      <p:cBhvr>
+                                        <p:cTn id="29" dur="500" fill="hold"/>
+                                        <p:tgtEl>
+                                          <p:spTgt spid="13"/>
+                                        </p:tgtEl>
+                                        <p:attrNameLst>
+                                          <p:attrName>ppt_x</p:attrName>
+                                        </p:attrNameLst>
+                                      </p:cBhvr>
+                                      <p:tavLst>
+                                        <p:tav tm="0">
+                                          <p:val>
+                                            <p:strVal val="#ppt_x"/>
+                                          </p:val>
+                                        </p:tav>
+                                        <p:tav tm="100000">
+                                          <p:val>
+                                            <p:strVal val="#ppt_x"/>
+                                          </p:val>
+                                        </p:tav>
+                                      </p:tavLst>
+                                    </p:anim>
+                                    <p:anim calcmode="lin" valueType="num">
+                                      <p:cBhvr>
+                                        <p:cTn id="30" dur="500" fill="hold"/>
+                                        <p:tgtEl>
+                                          <p:spTgt spid="13"/>
+                                        </p:tgtEl>
+                                        <p:attrNameLst>
+                                          <p:attrName>ppt_y</p:attrName>
+                                        </p:attrNameLst>
+                                      </p:cBhvr>
+                                      <p:tavLst>
+                                        <p:tav tm="0">
+                                          <p:val>
+                                            <p:strVal val="#ppt_y-.1"/>
+                                          </p:val>
+                                        </p:tav>
+                                        <p:tav tm="100000">
+                                          <p:val>
+                                            <p:strVal val="#ppt_y"/>
+                                          </p:val>
+                                        </p:tav>
+                                      </p:tavLst>
+                                    </p:anim>
+                                  </p:childTnLst>
+                                </p:cTn>
+                              </p:par>
+                            </p:childTnLst>
+                          </p:cTn>
+                        </p:par>
+                      </p:childTnLst>
+                    </p:cTn>
+                  </p:par>
+                </p:childTnLst>
+              </p:cTn>
+              <p:prevCondLst>
+                <p:cond evt="onPrev" delay="0">
+                  <p:tgtEl>
+                    <p:sldTgt/>
+                  </p:tgtEl>
+                </p:cond>
+              </p:prevCondLst>
+              <p:nextCondLst>
+                <p:cond evt="onNext" delay="0">
+                  <p:tgtEl>
+                    <p:sldTgt/>
+                  </p:tgtEl>
+                </p:cond>
+              </p:nextCondLst>
+            </p:seq>
+          </p:childTnLst>
+        </p:cTn>
+      </p:par>
+    </p:tnLst>
+    <p:bldLst>
+      <p:bldP spid="11" grpId="0"/>
+      <p:bldP spid="13" grpId="0"/>
+      <p:bldP spid="14" grpId="0" animBg="1"/>
+      <p:bldP spid="17" grpId="0"/>
+    </p:bldLst>
+  </p:timing>
+</p:sld>
+</file>
+
+<file path=ppt/slides/slide31.xml><?xml version="1.0" encoding="utf-8"?>
+<p:sld xmlns:a="http://schemas.openxmlformats.org/drawingml/2006/main" xmlns:r="http://schemas.openxmlformats.org/officeDocument/2006/relationships" xmlns:p="http://schemas.openxmlformats.org/presentationml/2006/main">
+  <p:cSld>
+    <p:spTree>
+      <p:nvGrpSpPr>
+        <p:cNvPr id="1" name=""/>
+        <p:cNvGrpSpPr/>
+        <p:nvPr/>
+      </p:nvGrpSpPr>
+      <p:grpSpPr>
+        <a:xfrm>
+          <a:off x="0" y="0"/>
+          <a:ext cx="0" cy="0"/>
+          <a:chOff x="0" y="0"/>
+          <a:chExt cx="0" cy="0"/>
+        </a:xfrm>
+      </p:grpSpPr>
+      <p:sp>
+        <p:nvSpPr>
           <p:cNvPr id="2" name="矩形 1">
             <a:extLst>
               <a:ext uri="{FF2B5EF4-FFF2-40B4-BE49-F238E27FC236}">
@@ -24690,7 +25001,7 @@
 </p:sld>
 </file>
 
-<file path=ppt/slides/slide31.xml><?xml version="1.0" encoding="utf-8"?>
+<file path=ppt/slides/slide32.xml><?xml version="1.0" encoding="utf-8"?>
 <p:sld xmlns:a="http://schemas.openxmlformats.org/drawingml/2006/main" xmlns:r="http://schemas.openxmlformats.org/officeDocument/2006/relationships" xmlns:p="http://schemas.openxmlformats.org/presentationml/2006/main">
   <p:cSld>
     <p:spTree>
@@ -25079,7 +25390,7 @@
 </p:sld>
 </file>
 
-<file path=ppt/slides/slide32.xml><?xml version="1.0" encoding="utf-8"?>
+<file path=ppt/slides/slide33.xml><?xml version="1.0" encoding="utf-8"?>
 <p:sld xmlns:a="http://schemas.openxmlformats.org/drawingml/2006/main" xmlns:r="http://schemas.openxmlformats.org/officeDocument/2006/relationships" xmlns:p="http://schemas.openxmlformats.org/presentationml/2006/main">
   <p:cSld>
     <p:spTree>
@@ -25903,7 +26214,7 @@
 </p:sld>
 </file>
 
-<file path=ppt/slides/slide33.xml><?xml version="1.0" encoding="utf-8"?>
+<file path=ppt/slides/slide34.xml><?xml version="1.0" encoding="utf-8"?>
 <p:sld xmlns:a="http://schemas.openxmlformats.org/drawingml/2006/main" xmlns:r="http://schemas.openxmlformats.org/officeDocument/2006/relationships" xmlns:p="http://schemas.openxmlformats.org/presentationml/2006/main">
   <p:cSld>
     <p:spTree>
@@ -26815,7 +27126,464 @@
 </p:sld>
 </file>
 
-<file path=ppt/slides/slide34.xml><?xml version="1.0" encoding="utf-8"?>
+<file path=ppt/slides/slide35.xml><?xml version="1.0" encoding="utf-8"?>
+<p:sld xmlns:a="http://schemas.openxmlformats.org/drawingml/2006/main" xmlns:r="http://schemas.openxmlformats.org/officeDocument/2006/relationships" xmlns:p="http://schemas.openxmlformats.org/presentationml/2006/main">
+  <p:cSld>
+    <p:spTree>
+      <p:nvGrpSpPr>
+        <p:cNvPr id="1" name=""/>
+        <p:cNvGrpSpPr/>
+        <p:nvPr/>
+      </p:nvGrpSpPr>
+      <p:grpSpPr>
+        <a:xfrm>
+          <a:off x="0" y="0"/>
+          <a:ext cx="0" cy="0"/>
+          <a:chOff x="0" y="0"/>
+          <a:chExt cx="0" cy="0"/>
+        </a:xfrm>
+      </p:grpSpPr>
+      <p:sp>
+        <p:nvSpPr>
+          <p:cNvPr id="2" name="矩形 1">
+            <a:extLst>
+              <a:ext uri="{FF2B5EF4-FFF2-40B4-BE49-F238E27FC236}">
+                <a16:creationId xmlns:a16="http://schemas.microsoft.com/office/drawing/2014/main" id="{EEE0EC13-86F4-403E-BD86-47B2AF6650BA}"/>
+              </a:ext>
+            </a:extLst>
+          </p:cNvPr>
+          <p:cNvSpPr/>
+          <p:nvPr/>
+        </p:nvSpPr>
+        <p:spPr>
+          <a:xfrm>
+            <a:off x="0" y="256436"/>
+            <a:ext cx="1548458" cy="504056"/>
+          </a:xfrm>
+          <a:prstGeom prst="rect">
+            <a:avLst/>
+          </a:prstGeom>
+          <a:solidFill>
+            <a:schemeClr val="bg1"/>
+          </a:solidFill>
+          <a:ln>
+            <a:noFill/>
+          </a:ln>
+        </p:spPr>
+        <p:style>
+          <a:lnRef idx="2">
+            <a:schemeClr val="accent1">
+              <a:shade val="50000"/>
+            </a:schemeClr>
+          </a:lnRef>
+          <a:fillRef idx="1">
+            <a:schemeClr val="accent1"/>
+          </a:fillRef>
+          <a:effectRef idx="0">
+            <a:schemeClr val="accent1"/>
+          </a:effectRef>
+          <a:fontRef idx="minor">
+            <a:schemeClr val="lt1"/>
+          </a:fontRef>
+        </p:style>
+        <p:txBody>
+          <a:bodyPr rtlCol="0" anchor="ctr"/>
+          <a:lstStyle/>
+          <a:p>
+            <a:endParaRPr lang="zh-CN" altLang="en-US"/>
+          </a:p>
+        </p:txBody>
+      </p:sp>
+      <p:pic>
+        <p:nvPicPr>
+          <p:cNvPr id="3" name="图片 2">
+            <a:extLst>
+              <a:ext uri="{FF2B5EF4-FFF2-40B4-BE49-F238E27FC236}">
+                <a16:creationId xmlns:a16="http://schemas.microsoft.com/office/drawing/2014/main" id="{DA07CDA8-1563-4ACB-A9DC-8F6058E7D610}"/>
+              </a:ext>
+            </a:extLst>
+          </p:cNvPr>
+          <p:cNvPicPr>
+            <a:picLocks noChangeAspect="1"/>
+          </p:cNvPicPr>
+          <p:nvPr/>
+        </p:nvPicPr>
+        <p:blipFill>
+          <a:blip r:embed="rId2" cstate="print">
+            <a:extLst>
+              <a:ext uri="{28A0092B-C50C-407E-A947-70E740481C1C}">
+                <a14:useLocalDpi xmlns:a14="http://schemas.microsoft.com/office/drawing/2010/main" val="0"/>
+              </a:ext>
+            </a:extLst>
+          </a:blip>
+          <a:stretch>
+            <a:fillRect/>
+          </a:stretch>
+        </p:blipFill>
+        <p:spPr>
+          <a:xfrm>
+            <a:off x="82219" y="98193"/>
+            <a:ext cx="1034191" cy="1034191"/>
+          </a:xfrm>
+          <a:prstGeom prst="rect">
+            <a:avLst/>
+          </a:prstGeom>
+        </p:spPr>
+      </p:pic>
+      <p:sp>
+        <p:nvSpPr>
+          <p:cNvPr id="4" name="矩形 3">
+            <a:extLst>
+              <a:ext uri="{FF2B5EF4-FFF2-40B4-BE49-F238E27FC236}">
+                <a16:creationId xmlns:a16="http://schemas.microsoft.com/office/drawing/2014/main" id="{B430CE9F-1C02-436D-A782-90E38F398E20}"/>
+              </a:ext>
+            </a:extLst>
+          </p:cNvPr>
+          <p:cNvSpPr/>
+          <p:nvPr/>
+        </p:nvSpPr>
+        <p:spPr>
+          <a:xfrm>
+            <a:off x="1198629" y="508464"/>
+            <a:ext cx="7334605" cy="461665"/>
+          </a:xfrm>
+          <a:prstGeom prst="rect">
+            <a:avLst/>
+          </a:prstGeom>
+        </p:spPr>
+        <p:txBody>
+          <a:bodyPr wrap="square">
+            <a:spAutoFit/>
+          </a:bodyPr>
+          <a:lstStyle/>
+          <a:p>
+            <a:pPr lvl="0"/>
+            <a:r>
+              <a:rPr lang="zh-CN" altLang="en-US" sz="2400" b="1" dirty="0">
+                <a:ln w="6350">
+                  <a:noFill/>
+                </a:ln>
+                <a:solidFill>
+                  <a:prstClr val="white">
+                    <a:lumMod val="50000"/>
+                  </a:prstClr>
+                </a:solidFill>
+                <a:latin typeface="微软雅黑" pitchFamily="34" charset="-122"/>
+                <a:ea typeface="微软雅黑" pitchFamily="34" charset="-122"/>
+              </a:rPr>
+              <a:t>会议记录</a:t>
+            </a:r>
+            <a:endParaRPr lang="en-US" altLang="zh-CN" sz="2400" b="1" dirty="0">
+              <a:ln w="6350">
+                <a:noFill/>
+              </a:ln>
+              <a:solidFill>
+                <a:prstClr val="white">
+                  <a:lumMod val="50000"/>
+                </a:prstClr>
+              </a:solidFill>
+              <a:latin typeface="微软雅黑" pitchFamily="34" charset="-122"/>
+              <a:ea typeface="微软雅黑" pitchFamily="34" charset="-122"/>
+            </a:endParaRPr>
+          </a:p>
+        </p:txBody>
+      </p:sp>
+      <p:grpSp>
+        <p:nvGrpSpPr>
+          <p:cNvPr id="9" name="组 5">
+            <a:extLst>
+              <a:ext uri="{FF2B5EF4-FFF2-40B4-BE49-F238E27FC236}">
+                <a16:creationId xmlns:a16="http://schemas.microsoft.com/office/drawing/2014/main" id="{D6609833-48B4-4D9E-9635-7FD0E19CC485}"/>
+              </a:ext>
+            </a:extLst>
+          </p:cNvPr>
+          <p:cNvGrpSpPr/>
+          <p:nvPr/>
+        </p:nvGrpSpPr>
+        <p:grpSpPr>
+          <a:xfrm>
+            <a:off x="1569161" y="1507717"/>
+            <a:ext cx="1335528" cy="1651830"/>
+            <a:chOff x="2938584" y="2242373"/>
+            <a:chExt cx="2319215" cy="2319215"/>
+          </a:xfrm>
+        </p:grpSpPr>
+        <p:pic>
+          <p:nvPicPr>
+            <p:cNvPr id="10" name="图片 9">
+              <a:hlinkClick r:id="rId3" action="ppaction://hlinkfile"/>
+              <a:extLst>
+                <a:ext uri="{FF2B5EF4-FFF2-40B4-BE49-F238E27FC236}">
+                  <a16:creationId xmlns:a16="http://schemas.microsoft.com/office/drawing/2014/main" id="{CE6F64C1-B56B-4AE5-A428-325E5916206D}"/>
+                </a:ext>
+              </a:extLst>
+            </p:cNvPr>
+            <p:cNvPicPr>
+              <a:picLocks noChangeAspect="1"/>
+            </p:cNvPicPr>
+            <p:nvPr/>
+          </p:nvPicPr>
+          <p:blipFill>
+            <a:blip r:embed="rId4" cstate="print">
+              <a:extLst>
+                <a:ext uri="{28A0092B-C50C-407E-A947-70E740481C1C}">
+                  <a14:useLocalDpi xmlns:a14="http://schemas.microsoft.com/office/drawing/2010/main" val="0"/>
+                </a:ext>
+              </a:extLst>
+            </a:blip>
+            <a:stretch>
+              <a:fillRect/>
+            </a:stretch>
+          </p:blipFill>
+          <p:spPr>
+            <a:xfrm>
+              <a:off x="2938584" y="2242373"/>
+              <a:ext cx="2319215" cy="2319215"/>
+            </a:xfrm>
+            <a:prstGeom prst="rect">
+              <a:avLst/>
+            </a:prstGeom>
+          </p:spPr>
+        </p:pic>
+        <p:sp>
+          <p:nvSpPr>
+            <p:cNvPr id="11" name="文本框 10">
+              <a:extLst>
+                <a:ext uri="{FF2B5EF4-FFF2-40B4-BE49-F238E27FC236}">
+                  <a16:creationId xmlns:a16="http://schemas.microsoft.com/office/drawing/2014/main" id="{63A2100B-7303-4BF8-9C9B-7AA7BE5642CE}"/>
+                </a:ext>
+              </a:extLst>
+            </p:cNvPr>
+            <p:cNvSpPr txBox="1"/>
+            <p:nvPr/>
+          </p:nvSpPr>
+          <p:spPr>
+            <a:xfrm>
+              <a:off x="3143815" y="3007965"/>
+              <a:ext cx="1111203" cy="369332"/>
+            </a:xfrm>
+            <a:prstGeom prst="rect">
+              <a:avLst/>
+            </a:prstGeom>
+            <a:noFill/>
+          </p:spPr>
+          <p:txBody>
+            <a:bodyPr wrap="none" rtlCol="0">
+              <a:spAutoFit/>
+            </a:bodyPr>
+            <a:lstStyle/>
+            <a:p>
+              <a:r>
+                <a:rPr kumimoji="1" lang="zh-CN" altLang="en-US" dirty="0">
+                  <a:latin typeface="Microsoft YaHei Light" charset="-122"/>
+                  <a:ea typeface="Microsoft YaHei Light" charset="-122"/>
+                  <a:cs typeface="Microsoft YaHei Light" charset="-122"/>
+                </a:rPr>
+                <a:t>会议记录</a:t>
+              </a:r>
+            </a:p>
+          </p:txBody>
+        </p:sp>
+      </p:grpSp>
+      <p:sp>
+        <p:nvSpPr>
+          <p:cNvPr id="12" name="文本框 11">
+            <a:extLst>
+              <a:ext uri="{FF2B5EF4-FFF2-40B4-BE49-F238E27FC236}">
+                <a16:creationId xmlns:a16="http://schemas.microsoft.com/office/drawing/2014/main" id="{C1BC540B-86E2-4153-B235-8EC807389912}"/>
+              </a:ext>
+            </a:extLst>
+          </p:cNvPr>
+          <p:cNvSpPr txBox="1"/>
+          <p:nvPr/>
+        </p:nvSpPr>
+        <p:spPr>
+          <a:xfrm>
+            <a:off x="1548447" y="3810736"/>
+            <a:ext cx="1492778" cy="923330"/>
+          </a:xfrm>
+          <a:prstGeom prst="rect">
+            <a:avLst/>
+          </a:prstGeom>
+          <a:noFill/>
+        </p:spPr>
+        <p:txBody>
+          <a:bodyPr wrap="square" rtlCol="0">
+            <a:spAutoFit/>
+          </a:bodyPr>
+          <a:lstStyle/>
+          <a:p>
+            <a:pPr algn="ctr"/>
+            <a:r>
+              <a:rPr lang="en-US" altLang="zh-CN" dirty="0" smtClean="0"/>
+              <a:t>20190407</a:t>
+            </a:r>
+            <a:endParaRPr lang="en-US" altLang="zh-CN" dirty="0"/>
+          </a:p>
+          <a:p>
+            <a:pPr algn="ctr"/>
+            <a:r>
+              <a:rPr lang="zh-CN" altLang="en-US" dirty="0" smtClean="0"/>
+              <a:t>会议记录</a:t>
+            </a:r>
+            <a:endParaRPr lang="en-US" altLang="zh-CN" dirty="0" smtClean="0"/>
+          </a:p>
+          <a:p>
+            <a:pPr algn="ctr"/>
+            <a:r>
+              <a:rPr lang="zh-CN" altLang="en-US" dirty="0">
+                <a:hlinkClick r:id="rId5" action="ppaction://hlinkfile"/>
+              </a:rPr>
+              <a:t>录音</a:t>
+            </a:r>
+            <a:endParaRPr lang="zh-CN" altLang="en-US" dirty="0"/>
+          </a:p>
+        </p:txBody>
+      </p:sp>
+    </p:spTree>
+    <p:extLst>
+      <p:ext uri="{BB962C8B-B14F-4D97-AF65-F5344CB8AC3E}">
+        <p14:creationId xmlns:p14="http://schemas.microsoft.com/office/powerpoint/2010/main" val="2546919122"/>
+      </p:ext>
+    </p:extLst>
+  </p:cSld>
+  <p:clrMapOvr>
+    <a:masterClrMapping/>
+  </p:clrMapOvr>
+  <p:transition spd="med" advClick="0" advTm="0">
+    <p:push dir="r"/>
+  </p:transition>
+  <p:timing>
+    <p:tnLst>
+      <p:par>
+        <p:cTn id="1" dur="indefinite" restart="never" nodeType="tmRoot">
+          <p:childTnLst>
+            <p:seq concurrent="1" nextAc="seek">
+              <p:cTn id="2" dur="indefinite" nodeType="mainSeq">
+                <p:childTnLst>
+                  <p:par>
+                    <p:cTn id="3" fill="hold">
+                      <p:stCondLst>
+                        <p:cond delay="indefinite"/>
+                        <p:cond evt="onBegin" delay="0">
+                          <p:tn val="2"/>
+                        </p:cond>
+                      </p:stCondLst>
+                      <p:childTnLst>
+                        <p:par>
+                          <p:cTn id="4" fill="hold">
+                            <p:stCondLst>
+                              <p:cond delay="0"/>
+                            </p:stCondLst>
+                            <p:childTnLst>
+                              <p:par>
+                                <p:cTn id="5" presetID="17" presetClass="entr" presetSubtype="10" fill="hold" grpId="0" nodeType="withEffect">
+                                  <p:stCondLst>
+                                    <p:cond delay="0"/>
+                                  </p:stCondLst>
+                                  <p:childTnLst>
+                                    <p:set>
+                                      <p:cBhvr>
+                                        <p:cTn id="6" dur="1" fill="hold">
+                                          <p:stCondLst>
+                                            <p:cond delay="0"/>
+                                          </p:stCondLst>
+                                        </p:cTn>
+                                        <p:tgtEl>
+                                          <p:spTgt spid="4"/>
+                                        </p:tgtEl>
+                                        <p:attrNameLst>
+                                          <p:attrName>style.visibility</p:attrName>
+                                        </p:attrNameLst>
+                                      </p:cBhvr>
+                                      <p:to>
+                                        <p:strVal val="visible"/>
+                                      </p:to>
+                                    </p:set>
+                                    <p:anim calcmode="lin" valueType="num">
+                                      <p:cBhvr>
+                                        <p:cTn id="7" dur="500" fill="hold"/>
+                                        <p:tgtEl>
+                                          <p:spTgt spid="4"/>
+                                        </p:tgtEl>
+                                        <p:attrNameLst>
+                                          <p:attrName>ppt_w</p:attrName>
+                                        </p:attrNameLst>
+                                      </p:cBhvr>
+                                      <p:tavLst>
+                                        <p:tav tm="0">
+                                          <p:val>
+                                            <p:fltVal val="0"/>
+                                          </p:val>
+                                        </p:tav>
+                                        <p:tav tm="100000">
+                                          <p:val>
+                                            <p:strVal val="#ppt_w"/>
+                                          </p:val>
+                                        </p:tav>
+                                      </p:tavLst>
+                                    </p:anim>
+                                    <p:anim calcmode="lin" valueType="num">
+                                      <p:cBhvr>
+                                        <p:cTn id="8" dur="500" fill="hold"/>
+                                        <p:tgtEl>
+                                          <p:spTgt spid="4"/>
+                                        </p:tgtEl>
+                                        <p:attrNameLst>
+                                          <p:attrName>ppt_h</p:attrName>
+                                        </p:attrNameLst>
+                                      </p:cBhvr>
+                                      <p:tavLst>
+                                        <p:tav tm="0">
+                                          <p:val>
+                                            <p:strVal val="#ppt_h"/>
+                                          </p:val>
+                                        </p:tav>
+                                        <p:tav tm="100000">
+                                          <p:val>
+                                            <p:strVal val="#ppt_h"/>
+                                          </p:val>
+                                        </p:tav>
+                                      </p:tavLst>
+                                    </p:anim>
+                                  </p:childTnLst>
+                                </p:cTn>
+                              </p:par>
+                            </p:childTnLst>
+                          </p:cTn>
+                        </p:par>
+                      </p:childTnLst>
+                    </p:cTn>
+                  </p:par>
+                </p:childTnLst>
+              </p:cTn>
+              <p:prevCondLst>
+                <p:cond evt="onPrev" delay="0">
+                  <p:tgtEl>
+                    <p:sldTgt/>
+                  </p:tgtEl>
+                </p:cond>
+              </p:prevCondLst>
+              <p:nextCondLst>
+                <p:cond evt="onNext" delay="0">
+                  <p:tgtEl>
+                    <p:sldTgt/>
+                  </p:tgtEl>
+                </p:cond>
+              </p:nextCondLst>
+            </p:seq>
+          </p:childTnLst>
+        </p:cTn>
+      </p:par>
+    </p:tnLst>
+    <p:bldLst>
+      <p:bldP spid="4" grpId="0"/>
+    </p:bldLst>
+  </p:timing>
+</p:sld>
+</file>
+
+<file path=ppt/slides/slide36.xml><?xml version="1.0" encoding="utf-8"?>
 <p:sld xmlns:a="http://schemas.openxmlformats.org/drawingml/2006/main" xmlns:r="http://schemas.openxmlformats.org/officeDocument/2006/relationships" xmlns:p="http://schemas.openxmlformats.org/presentationml/2006/main">
   <p:cSld>
     <p:spTree>
@@ -27639,7 +28407,7 @@
 </p:sld>
 </file>
 
-<file path=ppt/slides/slide35.xml><?xml version="1.0" encoding="utf-8"?>
+<file path=ppt/slides/slide37.xml><?xml version="1.0" encoding="utf-8"?>
 <p:sld xmlns:a="http://schemas.openxmlformats.org/drawingml/2006/main" xmlns:r="http://schemas.openxmlformats.org/officeDocument/2006/relationships" xmlns:p="http://schemas.openxmlformats.org/presentationml/2006/main">
   <p:cSld>
     <p:spTree>
@@ -27722,7 +28490,7 @@
           <p:nvPr/>
         </p:nvPicPr>
         <p:blipFill>
-          <a:blip r:embed="rId2" cstate="print">
+          <a:blip r:embed="rId3" cstate="print">
             <a:extLst>
               <a:ext uri="{28A0092B-C50C-407E-A947-70E740481C1C}">
                 <a14:useLocalDpi xmlns:a14="http://schemas.microsoft.com/office/drawing/2010/main" val="0"/>
@@ -27801,108 +28569,246 @@
           </a:p>
         </p:txBody>
       </p:sp>
-      <p:pic>
-        <p:nvPicPr>
-          <p:cNvPr id="5" name="图片 4"/>
-          <p:cNvPicPr>
-            <a:picLocks noChangeAspect="1"/>
-          </p:cNvPicPr>
-          <p:nvPr/>
-        </p:nvPicPr>
-        <p:blipFill>
-          <a:blip r:embed="rId3"/>
-          <a:stretch>
-            <a:fillRect/>
-          </a:stretch>
-        </p:blipFill>
-        <p:spPr>
-          <a:xfrm>
-            <a:off x="252314" y="1153579"/>
-            <a:ext cx="7229475" cy="1962150"/>
-          </a:xfrm>
-          <a:prstGeom prst="rect">
-            <a:avLst/>
-          </a:prstGeom>
-        </p:spPr>
-      </p:pic>
-      <p:pic>
-        <p:nvPicPr>
-          <p:cNvPr id="6" name="图片 5"/>
-          <p:cNvPicPr>
-            <a:picLocks noChangeAspect="1"/>
-          </p:cNvPicPr>
-          <p:nvPr/>
-        </p:nvPicPr>
-        <p:blipFill>
-          <a:blip r:embed="rId4">
-            <a:extLst>
-              <a:ext uri="{28A0092B-C50C-407E-A947-70E740481C1C}">
-                <a14:useLocalDpi xmlns:a14="http://schemas.microsoft.com/office/drawing/2010/main" val="0"/>
-              </a:ext>
-            </a:extLst>
-          </a:blip>
-          <a:stretch>
-            <a:fillRect/>
-          </a:stretch>
-        </p:blipFill>
-        <p:spPr>
-          <a:xfrm>
-            <a:off x="900386" y="1517592"/>
-            <a:ext cx="7135221" cy="2314898"/>
-          </a:xfrm>
-          <a:prstGeom prst="rect">
-            <a:avLst/>
-          </a:prstGeom>
-        </p:spPr>
-      </p:pic>
-      <p:pic>
-        <p:nvPicPr>
-          <p:cNvPr id="8" name="图片 7"/>
-          <p:cNvPicPr>
-            <a:picLocks noChangeAspect="1"/>
-          </p:cNvPicPr>
-          <p:nvPr/>
-        </p:nvPicPr>
-        <p:blipFill>
-          <a:blip r:embed="rId5"/>
-          <a:stretch>
-            <a:fillRect/>
-          </a:stretch>
-        </p:blipFill>
-        <p:spPr>
-          <a:xfrm>
-            <a:off x="1502727" y="1910451"/>
-            <a:ext cx="7180952" cy="2695238"/>
-          </a:xfrm>
-          <a:prstGeom prst="rect">
-            <a:avLst/>
-          </a:prstGeom>
-        </p:spPr>
-      </p:pic>
-      <p:pic>
-        <p:nvPicPr>
-          <p:cNvPr id="9" name="图片 8"/>
-          <p:cNvPicPr>
-            <a:picLocks noChangeAspect="1"/>
-          </p:cNvPicPr>
-          <p:nvPr/>
-        </p:nvPicPr>
-        <p:blipFill>
-          <a:blip r:embed="rId6"/>
-          <a:stretch>
-            <a:fillRect/>
-          </a:stretch>
-        </p:blipFill>
-        <p:spPr>
-          <a:xfrm>
-            <a:off x="1390965" y="2500536"/>
-            <a:ext cx="7304762" cy="2333333"/>
-          </a:xfrm>
-          <a:prstGeom prst="rect">
-            <a:avLst/>
-          </a:prstGeom>
-        </p:spPr>
-      </p:pic>
+      <p:graphicFrame>
+        <p:nvGraphicFramePr>
+          <p:cNvPr id="7" name="对象 6"/>
+          <p:cNvGraphicFramePr>
+            <a:graphicFrameLocks noChangeAspect="1"/>
+          </p:cNvGraphicFramePr>
+          <p:nvPr>
+            <p:extLst>
+              <p:ext uri="{D42A27DB-BD31-4B8C-83A1-F6EECF244321}">
+                <p14:modId xmlns:p14="http://schemas.microsoft.com/office/powerpoint/2010/main" val="2583597588"/>
+              </p:ext>
+            </p:extLst>
+          </p:nvPr>
+        </p:nvGraphicFramePr>
+        <p:xfrm>
+          <a:off x="1764482" y="844352"/>
+          <a:ext cx="7037958" cy="2281586"/>
+        </p:xfrm>
+        <a:graphic>
+          <a:graphicData uri="http://schemas.openxmlformats.org/presentationml/2006/ole">
+            <mc:AlternateContent xmlns:mc="http://schemas.openxmlformats.org/markup-compatibility/2006">
+              <mc:Choice xmlns:v="urn:schemas-microsoft-com:vml" Requires="v">
+                <p:oleObj spid="_x0000_s1047" name="工作表" r:id="rId4" imgW="7286657" imgH="2362336" progId="Excel.Sheet.12">
+                  <p:embed/>
+                </p:oleObj>
+              </mc:Choice>
+              <mc:Fallback>
+                <p:oleObj name="工作表" r:id="rId4" imgW="7286657" imgH="2362336" progId="Excel.Sheet.12">
+                  <p:embed/>
+                  <p:pic>
+                    <p:nvPicPr>
+                      <p:cNvPr id="0" name=""/>
+                      <p:cNvPicPr/>
+                      <p:nvPr/>
+                    </p:nvPicPr>
+                    <p:blipFill>
+                      <a:blip r:embed="rId5"/>
+                      <a:stretch>
+                        <a:fillRect/>
+                      </a:stretch>
+                    </p:blipFill>
+                    <p:spPr>
+                      <a:xfrm>
+                        <a:off x="1764482" y="844352"/>
+                        <a:ext cx="7037958" cy="2281586"/>
+                      </a:xfrm>
+                      <a:prstGeom prst="rect">
+                        <a:avLst/>
+                      </a:prstGeom>
+                      <a:solidFill>
+                        <a:schemeClr val="bg1"/>
+                      </a:solidFill>
+                    </p:spPr>
+                  </p:pic>
+                </p:oleObj>
+              </mc:Fallback>
+            </mc:AlternateContent>
+          </a:graphicData>
+        </a:graphic>
+      </p:graphicFrame>
+      <p:graphicFrame>
+        <p:nvGraphicFramePr>
+          <p:cNvPr id="10" name="对象 9"/>
+          <p:cNvGraphicFramePr>
+            <a:graphicFrameLocks noChangeAspect="1"/>
+          </p:cNvGraphicFramePr>
+          <p:nvPr>
+            <p:extLst>
+              <p:ext uri="{D42A27DB-BD31-4B8C-83A1-F6EECF244321}">
+                <p14:modId xmlns:p14="http://schemas.microsoft.com/office/powerpoint/2010/main" val="71410556"/>
+              </p:ext>
+            </p:extLst>
+          </p:nvPr>
+        </p:nvGraphicFramePr>
+        <p:xfrm>
+          <a:off x="1868129" y="1194602"/>
+          <a:ext cx="6698567" cy="2171562"/>
+        </p:xfrm>
+        <a:graphic>
+          <a:graphicData uri="http://schemas.openxmlformats.org/presentationml/2006/ole">
+            <mc:AlternateContent xmlns:mc="http://schemas.openxmlformats.org/markup-compatibility/2006">
+              <mc:Choice xmlns:v="urn:schemas-microsoft-com:vml" Requires="v">
+                <p:oleObj spid="_x0000_s1048" name="工作表" r:id="rId6" imgW="7286657" imgH="2362336" progId="Excel.Sheet.12">
+                  <p:embed/>
+                </p:oleObj>
+              </mc:Choice>
+              <mc:Fallback>
+                <p:oleObj name="工作表" r:id="rId6" imgW="7286657" imgH="2362336" progId="Excel.Sheet.12">
+                  <p:embed/>
+                  <p:pic>
+                    <p:nvPicPr>
+                      <p:cNvPr id="0" name=""/>
+                      <p:cNvPicPr/>
+                      <p:nvPr/>
+                    </p:nvPicPr>
+                    <p:blipFill>
+                      <a:blip r:embed="rId7"/>
+                      <a:stretch>
+                        <a:fillRect/>
+                      </a:stretch>
+                    </p:blipFill>
+                    <p:spPr>
+                      <a:xfrm>
+                        <a:off x="1868129" y="1194602"/>
+                        <a:ext cx="6698567" cy="2171562"/>
+                      </a:xfrm>
+                      <a:prstGeom prst="rect">
+                        <a:avLst/>
+                      </a:prstGeom>
+                      <a:solidFill>
+                        <a:schemeClr val="bg1"/>
+                      </a:solidFill>
+                    </p:spPr>
+                  </p:pic>
+                </p:oleObj>
+              </mc:Fallback>
+            </mc:AlternateContent>
+          </a:graphicData>
+        </a:graphic>
+      </p:graphicFrame>
+      <p:graphicFrame>
+        <p:nvGraphicFramePr>
+          <p:cNvPr id="11" name="对象 10"/>
+          <p:cNvGraphicFramePr>
+            <a:graphicFrameLocks noChangeAspect="1"/>
+          </p:cNvGraphicFramePr>
+          <p:nvPr>
+            <p:extLst>
+              <p:ext uri="{D42A27DB-BD31-4B8C-83A1-F6EECF244321}">
+                <p14:modId xmlns:p14="http://schemas.microsoft.com/office/powerpoint/2010/main" val="418400978"/>
+              </p:ext>
+            </p:extLst>
+          </p:nvPr>
+        </p:nvGraphicFramePr>
+        <p:xfrm>
+          <a:off x="1060641" y="1573848"/>
+          <a:ext cx="7286625" cy="2543175"/>
+        </p:xfrm>
+        <a:graphic>
+          <a:graphicData uri="http://schemas.openxmlformats.org/presentationml/2006/ole">
+            <mc:AlternateContent xmlns:mc="http://schemas.openxmlformats.org/markup-compatibility/2006">
+              <mc:Choice xmlns:v="urn:schemas-microsoft-com:vml" Requires="v">
+                <p:oleObj spid="_x0000_s1049" name="工作表" r:id="rId8" imgW="7286657" imgH="2543175" progId="Excel.Sheet.12">
+                  <p:embed/>
+                </p:oleObj>
+              </mc:Choice>
+              <mc:Fallback>
+                <p:oleObj name="工作表" r:id="rId8" imgW="7286657" imgH="2543175" progId="Excel.Sheet.12">
+                  <p:embed/>
+                  <p:pic>
+                    <p:nvPicPr>
+                      <p:cNvPr id="0" name=""/>
+                      <p:cNvPicPr/>
+                      <p:nvPr/>
+                    </p:nvPicPr>
+                    <p:blipFill>
+                      <a:blip r:embed="rId9"/>
+                      <a:stretch>
+                        <a:fillRect/>
+                      </a:stretch>
+                    </p:blipFill>
+                    <p:spPr>
+                      <a:xfrm>
+                        <a:off x="1060641" y="1573848"/>
+                        <a:ext cx="7286625" cy="2543175"/>
+                      </a:xfrm>
+                      <a:prstGeom prst="rect">
+                        <a:avLst/>
+                      </a:prstGeom>
+                      <a:solidFill>
+                        <a:schemeClr val="bg1"/>
+                      </a:solidFill>
+                    </p:spPr>
+                  </p:pic>
+                </p:oleObj>
+              </mc:Fallback>
+            </mc:AlternateContent>
+          </a:graphicData>
+        </a:graphic>
+      </p:graphicFrame>
+      <p:graphicFrame>
+        <p:nvGraphicFramePr>
+          <p:cNvPr id="12" name="对象 11"/>
+          <p:cNvGraphicFramePr>
+            <a:graphicFrameLocks noChangeAspect="1"/>
+          </p:cNvGraphicFramePr>
+          <p:nvPr>
+            <p:extLst>
+              <p:ext uri="{D42A27DB-BD31-4B8C-83A1-F6EECF244321}">
+                <p14:modId xmlns:p14="http://schemas.microsoft.com/office/powerpoint/2010/main" val="974533437"/>
+              </p:ext>
+            </p:extLst>
+          </p:nvPr>
+        </p:nvGraphicFramePr>
+        <p:xfrm>
+          <a:off x="841211" y="1966936"/>
+          <a:ext cx="7286625" cy="2362200"/>
+        </p:xfrm>
+        <a:graphic>
+          <a:graphicData uri="http://schemas.openxmlformats.org/presentationml/2006/ole">
+            <mc:AlternateContent xmlns:mc="http://schemas.openxmlformats.org/markup-compatibility/2006">
+              <mc:Choice xmlns:v="urn:schemas-microsoft-com:vml" Requires="v">
+                <p:oleObj spid="_x0000_s1050" name="工作表" r:id="rId10" imgW="7286657" imgH="2362336" progId="Excel.Sheet.12">
+                  <p:embed/>
+                </p:oleObj>
+              </mc:Choice>
+              <mc:Fallback>
+                <p:oleObj name="工作表" r:id="rId10" imgW="7286657" imgH="2362336" progId="Excel.Sheet.12">
+                  <p:embed/>
+                  <p:pic>
+                    <p:nvPicPr>
+                      <p:cNvPr id="0" name=""/>
+                      <p:cNvPicPr/>
+                      <p:nvPr/>
+                    </p:nvPicPr>
+                    <p:blipFill>
+                      <a:blip r:embed="rId11"/>
+                      <a:stretch>
+                        <a:fillRect/>
+                      </a:stretch>
+                    </p:blipFill>
+                    <p:spPr>
+                      <a:xfrm>
+                        <a:off x="841211" y="1966936"/>
+                        <a:ext cx="7286625" cy="2362200"/>
+                      </a:xfrm>
+                      <a:prstGeom prst="rect">
+                        <a:avLst/>
+                      </a:prstGeom>
+                      <a:solidFill>
+                        <a:schemeClr val="bg1"/>
+                      </a:solidFill>
+                    </p:spPr>
+                  </p:pic>
+                </p:oleObj>
+              </mc:Fallback>
+            </mc:AlternateContent>
+          </a:graphicData>
+        </a:graphic>
+      </p:graphicFrame>
     </p:spTree>
     <p:extLst>
       <p:ext uri="{BB962C8B-B14F-4D97-AF65-F5344CB8AC3E}">
@@ -28046,7 +28952,372 @@
 </p:sld>
 </file>
 
-<file path=ppt/slides/slide36.xml><?xml version="1.0" encoding="utf-8"?>
+<file path=ppt/slides/slide38.xml><?xml version="1.0" encoding="utf-8"?>
+<p:sld xmlns:a="http://schemas.openxmlformats.org/drawingml/2006/main" xmlns:r="http://schemas.openxmlformats.org/officeDocument/2006/relationships" xmlns:p="http://schemas.openxmlformats.org/presentationml/2006/main">
+  <p:cSld>
+    <p:spTree>
+      <p:nvGrpSpPr>
+        <p:cNvPr id="1" name=""/>
+        <p:cNvGrpSpPr/>
+        <p:nvPr/>
+      </p:nvGrpSpPr>
+      <p:grpSpPr>
+        <a:xfrm>
+          <a:off x="0" y="0"/>
+          <a:ext cx="0" cy="0"/>
+          <a:chOff x="0" y="0"/>
+          <a:chExt cx="0" cy="0"/>
+        </a:xfrm>
+      </p:grpSpPr>
+      <p:sp>
+        <p:nvSpPr>
+          <p:cNvPr id="2" name="矩形 1">
+            <a:extLst>
+              <a:ext uri="{FF2B5EF4-FFF2-40B4-BE49-F238E27FC236}">
+                <a16:creationId xmlns:a16="http://schemas.microsoft.com/office/drawing/2014/main" id="{EEE0EC13-86F4-403E-BD86-47B2AF6650BA}"/>
+              </a:ext>
+            </a:extLst>
+          </p:cNvPr>
+          <p:cNvSpPr/>
+          <p:nvPr/>
+        </p:nvSpPr>
+        <p:spPr>
+          <a:xfrm>
+            <a:off x="0" y="256436"/>
+            <a:ext cx="1548458" cy="504056"/>
+          </a:xfrm>
+          <a:prstGeom prst="rect">
+            <a:avLst/>
+          </a:prstGeom>
+          <a:solidFill>
+            <a:schemeClr val="bg1"/>
+          </a:solidFill>
+          <a:ln>
+            <a:noFill/>
+          </a:ln>
+        </p:spPr>
+        <p:style>
+          <a:lnRef idx="2">
+            <a:schemeClr val="accent1">
+              <a:shade val="50000"/>
+            </a:schemeClr>
+          </a:lnRef>
+          <a:fillRef idx="1">
+            <a:schemeClr val="accent1"/>
+          </a:fillRef>
+          <a:effectRef idx="0">
+            <a:schemeClr val="accent1"/>
+          </a:effectRef>
+          <a:fontRef idx="minor">
+            <a:schemeClr val="lt1"/>
+          </a:fontRef>
+        </p:style>
+        <p:txBody>
+          <a:bodyPr rtlCol="0" anchor="ctr"/>
+          <a:lstStyle/>
+          <a:p>
+            <a:endParaRPr lang="zh-CN" altLang="en-US"/>
+          </a:p>
+        </p:txBody>
+      </p:sp>
+      <p:pic>
+        <p:nvPicPr>
+          <p:cNvPr id="3" name="图片 2">
+            <a:extLst>
+              <a:ext uri="{FF2B5EF4-FFF2-40B4-BE49-F238E27FC236}">
+                <a16:creationId xmlns:a16="http://schemas.microsoft.com/office/drawing/2014/main" id="{DA07CDA8-1563-4ACB-A9DC-8F6058E7D610}"/>
+              </a:ext>
+            </a:extLst>
+          </p:cNvPr>
+          <p:cNvPicPr>
+            <a:picLocks noChangeAspect="1"/>
+          </p:cNvPicPr>
+          <p:nvPr/>
+        </p:nvPicPr>
+        <p:blipFill>
+          <a:blip r:embed="rId3" cstate="print">
+            <a:extLst>
+              <a:ext uri="{28A0092B-C50C-407E-A947-70E740481C1C}">
+                <a14:useLocalDpi xmlns:a14="http://schemas.microsoft.com/office/drawing/2010/main" val="0"/>
+              </a:ext>
+            </a:extLst>
+          </a:blip>
+          <a:stretch>
+            <a:fillRect/>
+          </a:stretch>
+        </p:blipFill>
+        <p:spPr>
+          <a:xfrm>
+            <a:off x="82219" y="98193"/>
+            <a:ext cx="1034191" cy="1034191"/>
+          </a:xfrm>
+          <a:prstGeom prst="rect">
+            <a:avLst/>
+          </a:prstGeom>
+        </p:spPr>
+      </p:pic>
+      <p:sp>
+        <p:nvSpPr>
+          <p:cNvPr id="4" name="矩形 3">
+            <a:extLst>
+              <a:ext uri="{FF2B5EF4-FFF2-40B4-BE49-F238E27FC236}">
+                <a16:creationId xmlns:a16="http://schemas.microsoft.com/office/drawing/2014/main" id="{B430CE9F-1C02-436D-A782-90E38F398E20}"/>
+              </a:ext>
+            </a:extLst>
+          </p:cNvPr>
+          <p:cNvSpPr/>
+          <p:nvPr/>
+        </p:nvSpPr>
+        <p:spPr>
+          <a:xfrm>
+            <a:off x="1178845" y="277631"/>
+            <a:ext cx="7334605" cy="461665"/>
+          </a:xfrm>
+          <a:prstGeom prst="rect">
+            <a:avLst/>
+          </a:prstGeom>
+        </p:spPr>
+        <p:txBody>
+          <a:bodyPr wrap="square">
+            <a:spAutoFit/>
+          </a:bodyPr>
+          <a:lstStyle/>
+          <a:p>
+            <a:pPr lvl="0"/>
+            <a:r>
+              <a:rPr lang="zh-CN" altLang="en-US" sz="2400" b="1" dirty="0">
+                <a:ln w="6350">
+                  <a:noFill/>
+                </a:ln>
+                <a:solidFill>
+                  <a:prstClr val="white">
+                    <a:lumMod val="50000"/>
+                  </a:prstClr>
+                </a:solidFill>
+                <a:latin typeface="微软雅黑" pitchFamily="34" charset="-122"/>
+                <a:ea typeface="微软雅黑" pitchFamily="34" charset="-122"/>
+              </a:rPr>
+              <a:t>绩效评价</a:t>
+            </a:r>
+            <a:endParaRPr lang="en-US" altLang="zh-CN" sz="2400" b="1" dirty="0">
+              <a:ln w="6350">
+                <a:noFill/>
+              </a:ln>
+              <a:solidFill>
+                <a:prstClr val="white">
+                  <a:lumMod val="50000"/>
+                </a:prstClr>
+              </a:solidFill>
+              <a:latin typeface="微软雅黑" pitchFamily="34" charset="-122"/>
+              <a:ea typeface="微软雅黑" pitchFamily="34" charset="-122"/>
+            </a:endParaRPr>
+          </a:p>
+        </p:txBody>
+      </p:sp>
+      <p:graphicFrame>
+        <p:nvGraphicFramePr>
+          <p:cNvPr id="13" name="对象 12"/>
+          <p:cNvGraphicFramePr>
+            <a:graphicFrameLocks noChangeAspect="1"/>
+          </p:cNvGraphicFramePr>
+          <p:nvPr>
+            <p:extLst>
+              <p:ext uri="{D42A27DB-BD31-4B8C-83A1-F6EECF244321}">
+                <p14:modId xmlns:p14="http://schemas.microsoft.com/office/powerpoint/2010/main" val="3664793831"/>
+              </p:ext>
+            </p:extLst>
+          </p:nvPr>
+        </p:nvGraphicFramePr>
+        <p:xfrm>
+          <a:off x="1727374" y="916360"/>
+          <a:ext cx="6237546" cy="2796704"/>
+        </p:xfrm>
+        <a:graphic>
+          <a:graphicData uri="http://schemas.openxmlformats.org/presentationml/2006/ole">
+            <mc:AlternateContent xmlns:mc="http://schemas.openxmlformats.org/markup-compatibility/2006">
+              <mc:Choice xmlns:v="urn:schemas-microsoft-com:vml" Requires="v">
+                <p:oleObj spid="_x0000_s2053" name="工作表" r:id="rId4" imgW="7286657" imgH="3266939" progId="Excel.Sheet.12">
+                  <p:embed/>
+                </p:oleObj>
+              </mc:Choice>
+              <mc:Fallback>
+                <p:oleObj name="工作表" r:id="rId4" imgW="7286657" imgH="3266939" progId="Excel.Sheet.12">
+                  <p:embed/>
+                  <p:pic>
+                    <p:nvPicPr>
+                      <p:cNvPr id="13" name="对象 12"/>
+                      <p:cNvPicPr/>
+                      <p:nvPr/>
+                    </p:nvPicPr>
+                    <p:blipFill>
+                      <a:blip r:embed="rId5"/>
+                      <a:stretch>
+                        <a:fillRect/>
+                      </a:stretch>
+                    </p:blipFill>
+                    <p:spPr>
+                      <a:xfrm>
+                        <a:off x="1727374" y="916360"/>
+                        <a:ext cx="6237546" cy="2796704"/>
+                      </a:xfrm>
+                      <a:prstGeom prst="rect">
+                        <a:avLst/>
+                      </a:prstGeom>
+                      <a:solidFill>
+                        <a:schemeClr val="bg1"/>
+                      </a:solidFill>
+                    </p:spPr>
+                  </p:pic>
+                </p:oleObj>
+              </mc:Fallback>
+            </mc:AlternateContent>
+          </a:graphicData>
+        </a:graphic>
+      </p:graphicFrame>
+    </p:spTree>
+    <p:extLst>
+      <p:ext uri="{BB962C8B-B14F-4D97-AF65-F5344CB8AC3E}">
+        <p14:creationId xmlns:p14="http://schemas.microsoft.com/office/powerpoint/2010/main" val="1987243394"/>
+      </p:ext>
+    </p:extLst>
+  </p:cSld>
+  <p:clrMapOvr>
+    <a:masterClrMapping/>
+  </p:clrMapOvr>
+  <p:transition spd="med" advClick="0" advTm="0">
+    <p:push dir="r"/>
+  </p:transition>
+  <p:timing>
+    <p:tnLst>
+      <p:par>
+        <p:cTn id="1" dur="indefinite" restart="never" nodeType="tmRoot">
+          <p:childTnLst>
+            <p:seq concurrent="1" nextAc="seek">
+              <p:cTn id="2" dur="indefinite" nodeType="mainSeq">
+                <p:childTnLst>
+                  <p:par>
+                    <p:cTn id="3" fill="hold">
+                      <p:stCondLst>
+                        <p:cond delay="indefinite"/>
+                        <p:cond evt="onBegin" delay="0">
+                          <p:tn val="2"/>
+                        </p:cond>
+                      </p:stCondLst>
+                      <p:childTnLst>
+                        <p:par>
+                          <p:cTn id="4" fill="hold">
+                            <p:stCondLst>
+                              <p:cond delay="0"/>
+                            </p:stCondLst>
+                            <p:childTnLst>
+                              <p:par>
+                                <p:cTn id="5" presetID="17" presetClass="entr" presetSubtype="10" fill="hold" grpId="0" nodeType="withEffect">
+                                  <p:stCondLst>
+                                    <p:cond delay="0"/>
+                                  </p:stCondLst>
+                                  <p:childTnLst>
+                                    <p:set>
+                                      <p:cBhvr>
+                                        <p:cTn id="6" dur="1" fill="hold">
+                                          <p:stCondLst>
+                                            <p:cond delay="0"/>
+                                          </p:stCondLst>
+                                        </p:cTn>
+                                        <p:tgtEl>
+                                          <p:spTgt spid="4"/>
+                                        </p:tgtEl>
+                                        <p:attrNameLst>
+                                          <p:attrName>style.visibility</p:attrName>
+                                        </p:attrNameLst>
+                                      </p:cBhvr>
+                                      <p:to>
+                                        <p:strVal val="visible"/>
+                                      </p:to>
+                                    </p:set>
+                                    <p:anim calcmode="lin" valueType="num">
+                                      <p:cBhvr>
+                                        <p:cTn id="7" dur="500" fill="hold"/>
+                                        <p:tgtEl>
+                                          <p:spTgt spid="4"/>
+                                        </p:tgtEl>
+                                        <p:attrNameLst>
+                                          <p:attrName>ppt_w</p:attrName>
+                                        </p:attrNameLst>
+                                      </p:cBhvr>
+                                      <p:tavLst>
+                                        <p:tav tm="0">
+                                          <p:val>
+                                            <p:fltVal val="0"/>
+                                          </p:val>
+                                        </p:tav>
+                                        <p:tav tm="100000">
+                                          <p:val>
+                                            <p:strVal val="#ppt_w"/>
+                                          </p:val>
+                                        </p:tav>
+                                      </p:tavLst>
+                                    </p:anim>
+                                    <p:anim calcmode="lin" valueType="num">
+                                      <p:cBhvr>
+                                        <p:cTn id="8" dur="500" fill="hold"/>
+                                        <p:tgtEl>
+                                          <p:spTgt spid="4"/>
+                                        </p:tgtEl>
+                                        <p:attrNameLst>
+                                          <p:attrName>ppt_h</p:attrName>
+                                        </p:attrNameLst>
+                                      </p:cBhvr>
+                                      <p:tavLst>
+                                        <p:tav tm="0">
+                                          <p:val>
+                                            <p:strVal val="#ppt_h"/>
+                                          </p:val>
+                                        </p:tav>
+                                        <p:tav tm="100000">
+                                          <p:val>
+                                            <p:strVal val="#ppt_h"/>
+                                          </p:val>
+                                        </p:tav>
+                                      </p:tavLst>
+                                    </p:anim>
+                                  </p:childTnLst>
+                                </p:cTn>
+                              </p:par>
+                            </p:childTnLst>
+                          </p:cTn>
+                        </p:par>
+                      </p:childTnLst>
+                    </p:cTn>
+                  </p:par>
+                </p:childTnLst>
+              </p:cTn>
+              <p:prevCondLst>
+                <p:cond evt="onPrev" delay="0">
+                  <p:tgtEl>
+                    <p:sldTgt/>
+                  </p:tgtEl>
+                </p:cond>
+              </p:prevCondLst>
+              <p:nextCondLst>
+                <p:cond evt="onNext" delay="0">
+                  <p:tgtEl>
+                    <p:sldTgt/>
+                  </p:tgtEl>
+                </p:cond>
+              </p:nextCondLst>
+            </p:seq>
+          </p:childTnLst>
+        </p:cTn>
+      </p:par>
+    </p:tnLst>
+    <p:bldLst>
+      <p:bldP spid="4" grpId="0"/>
+    </p:bldLst>
+  </p:timing>
+</p:sld>
+</file>
+
+<file path=ppt/slides/slide39.xml><?xml version="1.0" encoding="utf-8"?>
 <p:sld xmlns:a="http://schemas.openxmlformats.org/drawingml/2006/main" xmlns:r="http://schemas.openxmlformats.org/officeDocument/2006/relationships" xmlns:p="http://schemas.openxmlformats.org/presentationml/2006/main">
   <p:cSld>
     <p:spTree>
@@ -32374,6 +33645,13 @@
       </p:transition>
     </mc:Fallback>
   </mc:AlternateContent>
+  <p:timing>
+    <p:tnLst>
+      <p:par>
+        <p:cTn id="1" dur="indefinite" restart="never" nodeType="tmRoot"/>
+      </p:par>
+    </p:tnLst>
+  </p:timing>
 </p:sld>
 </file>
 
@@ -34385,6 +35663,13 @@
       </p:transition>
     </mc:Fallback>
   </mc:AlternateContent>
+  <p:timing>
+    <p:tnLst>
+      <p:par>
+        <p:cTn id="1" dur="indefinite" restart="never" nodeType="tmRoot"/>
+      </p:par>
+    </p:tnLst>
+  </p:timing>
 </p:sld>
 </file>
 
@@ -34669,7 +35954,7 @@
         </p:blipFill>
         <p:spPr>
           <a:xfrm>
-            <a:off x="1564219" y="1705070"/>
+            <a:off x="1559386" y="1379965"/>
             <a:ext cx="654357" cy="654357"/>
           </a:xfrm>
           <a:prstGeom prst="rect">
@@ -34691,7 +35976,7 @@
         </p:nvSpPr>
         <p:spPr>
           <a:xfrm>
-            <a:off x="2273371" y="1760967"/>
+            <a:off x="2268538" y="1435862"/>
             <a:ext cx="6343024" cy="584775"/>
           </a:xfrm>
           <a:prstGeom prst="rect">
@@ -34819,7 +36104,7 @@
         </p:blipFill>
         <p:spPr>
           <a:xfrm>
-            <a:off x="1568378" y="2789172"/>
+            <a:off x="1589195" y="2142864"/>
             <a:ext cx="672727" cy="575460"/>
           </a:xfrm>
           <a:prstGeom prst="rect">
@@ -34841,7 +36126,7 @@
         </p:nvSpPr>
         <p:spPr>
           <a:xfrm>
-            <a:off x="2307784" y="2932073"/>
+            <a:off x="2328601" y="2285765"/>
             <a:ext cx="6237330" cy="338554"/>
           </a:xfrm>
           <a:prstGeom prst="rect">
@@ -34956,7 +36241,7 @@
         </p:blipFill>
         <p:spPr bwMode="auto">
           <a:xfrm>
-            <a:off x="1553285" y="3700725"/>
+            <a:off x="1561542" y="2807014"/>
             <a:ext cx="672019" cy="672019"/>
           </a:xfrm>
           <a:prstGeom prst="rect">
@@ -34988,7 +36273,7 @@
         </p:nvSpPr>
         <p:spPr>
           <a:xfrm>
-            <a:off x="2307784" y="3942375"/>
+            <a:off x="2316041" y="3048664"/>
             <a:ext cx="6237330" cy="338554"/>
           </a:xfrm>
           <a:prstGeom prst="rect">
@@ -35025,6 +36310,106 @@
               </a:rPr>
               <a:t>：是一门面向对象编程语言。</a:t>
             </a:r>
+          </a:p>
+        </p:txBody>
+      </p:sp>
+      <p:pic>
+        <p:nvPicPr>
+          <p:cNvPr id="2" name="图片 1"/>
+          <p:cNvPicPr>
+            <a:picLocks noChangeAspect="1"/>
+          </p:cNvPicPr>
+          <p:nvPr/>
+        </p:nvPicPr>
+        <p:blipFill>
+          <a:blip r:embed="rId8" cstate="print">
+            <a:extLst>
+              <a:ext uri="{28A0092B-C50C-407E-A947-70E740481C1C}">
+                <a14:useLocalDpi xmlns:a14="http://schemas.microsoft.com/office/drawing/2010/main" val="0"/>
+              </a:ext>
+            </a:extLst>
+          </a:blip>
+          <a:stretch>
+            <a:fillRect/>
+          </a:stretch>
+        </p:blipFill>
+        <p:spPr>
+          <a:xfrm>
+            <a:off x="1543349" y="3569648"/>
+            <a:ext cx="772692" cy="772692"/>
+          </a:xfrm>
+          <a:prstGeom prst="rect">
+            <a:avLst/>
+          </a:prstGeom>
+        </p:spPr>
+      </p:pic>
+      <p:sp>
+        <p:nvSpPr>
+          <p:cNvPr id="3" name="文本框 2"/>
+          <p:cNvSpPr txBox="1"/>
+          <p:nvPr/>
+        </p:nvSpPr>
+        <p:spPr>
+          <a:xfrm>
+            <a:off x="2328601" y="3771328"/>
+            <a:ext cx="3467616" cy="338554"/>
+          </a:xfrm>
+          <a:prstGeom prst="rect">
+            <a:avLst/>
+          </a:prstGeom>
+          <a:noFill/>
+        </p:spPr>
+        <p:txBody>
+          <a:bodyPr wrap="none" rtlCol="0">
+            <a:spAutoFit/>
+          </a:bodyPr>
+          <a:lstStyle/>
+          <a:p>
+            <a:r>
+              <a:rPr lang="zh-CN" altLang="en-US" sz="1600" dirty="0">
+                <a:solidFill>
+                  <a:schemeClr val="bg1">
+                    <a:lumMod val="50000"/>
+                  </a:schemeClr>
+                </a:solidFill>
+                <a:latin typeface="微软雅黑" pitchFamily="34" charset="-122"/>
+                <a:ea typeface="微软雅黑" pitchFamily="34" charset="-122"/>
+              </a:rPr>
+              <a:t>墨刀：</a:t>
+            </a:r>
+            <a:r>
+              <a:rPr lang="zh-CN" altLang="en-US" sz="1600" dirty="0">
+                <a:solidFill>
+                  <a:schemeClr val="bg1">
+                    <a:lumMod val="50000"/>
+                  </a:schemeClr>
+                </a:solidFill>
+                <a:latin typeface="微软雅黑" pitchFamily="34" charset="-122"/>
+                <a:ea typeface="微软雅黑" pitchFamily="34" charset="-122"/>
+              </a:rPr>
+              <a:t>墨刀是一款在线原型</a:t>
+            </a:r>
+            <a:r>
+              <a:rPr lang="zh-CN" altLang="en-US" sz="1600" dirty="0">
+                <a:solidFill>
+                  <a:schemeClr val="bg1">
+                    <a:lumMod val="50000"/>
+                  </a:schemeClr>
+                </a:solidFill>
+                <a:latin typeface="微软雅黑" pitchFamily="34" charset="-122"/>
+                <a:ea typeface="微软雅黑" pitchFamily="34" charset="-122"/>
+              </a:rPr>
+              <a:t>设计工具</a:t>
+            </a:r>
+            <a:endParaRPr lang="zh-CN" altLang="en-US" sz="1600" dirty="0">
+              <a:solidFill>
+                <a:schemeClr val="bg1">
+                  <a:lumMod val="50000"/>
+                </a:schemeClr>
+              </a:solidFill>
+              <a:latin typeface="微软雅黑" pitchFamily="34" charset="-122"/>
+              <a:ea typeface="微软雅黑" pitchFamily="34" charset="-122"/>
+            </a:endParaRPr>
           </a:p>
         </p:txBody>
       </p:sp>
@@ -35050,6 +36435,13 @@
       </p:transition>
     </mc:Fallback>
   </mc:AlternateContent>
+  <p:timing>
+    <p:tnLst>
+      <p:par>
+        <p:cTn id="1" dur="indefinite" restart="never" nodeType="tmRoot"/>
+      </p:par>
+    </p:tnLst>
+  </p:timing>
 </p:sld>
 </file>
 
